--- a/Student Record Manager System.pptx
+++ b/Student Record Manager System.pptx
@@ -11,7 +11,16 @@
     <p:sldId id="259" r:id="rId5"/>
     <p:sldId id="260" r:id="rId6"/>
     <p:sldId id="261" r:id="rId7"/>
-    <p:sldId id="262" r:id="rId8"/>
+    <p:sldId id="263" r:id="rId8"/>
+    <p:sldId id="264" r:id="rId9"/>
+    <p:sldId id="265" r:id="rId10"/>
+    <p:sldId id="266" r:id="rId11"/>
+    <p:sldId id="267" r:id="rId12"/>
+    <p:sldId id="268" r:id="rId13"/>
+    <p:sldId id="269" r:id="rId14"/>
+    <p:sldId id="270" r:id="rId15"/>
+    <p:sldId id="271" r:id="rId16"/>
+    <p:sldId id="272" r:id="rId17"/>
   </p:sldIdLst>
   <p:sldSz cx="12192000" cy="6858000"/>
   <p:notesSz cx="6858000" cy="9144000"/>
@@ -110,6 +119,11 @@
       </a:defRPr>
     </a:lvl9pPr>
   </p:defaultTextStyle>
+  <p:extLst>
+    <p:ext uri="{EFAFB233-063F-42B5-8137-9DF3F51BA10A}">
+      <p15:sldGuideLst xmlns:p15="http://schemas.microsoft.com/office/powerpoint/2012/main"/>
+    </p:ext>
+  </p:extLst>
 </p:presentation>
 </file>
 
@@ -170,7 +184,7 @@
           <a:noFill/>
           <a:extLst>
             <a:ext uri="{909E8E84-426E-40dd-AFC4-6F175D3DCCD1}">
-              <a14:hiddenFill xmlns:a14="http://schemas.microsoft.com/office/drawing/2010/main" xmlns="">
+              <a14:hiddenFill xmlns="" xmlns:a14="http://schemas.microsoft.com/office/drawing/2010/main">
                 <a:solidFill>
                   <a:srgbClr val="FFFFFF"/>
                 </a:solidFill>
@@ -229,7 +243,7 @@
             </a:ln>
             <a:extLst>
               <a:ext uri="{91240B29-F687-4f45-9708-019B960494DF}">
-                <a14:hiddenLine xmlns:a14="http://schemas.microsoft.com/office/drawing/2010/main" xmlns="" w="9525">
+                <a14:hiddenLine xmlns="" xmlns:a14="http://schemas.microsoft.com/office/drawing/2010/main" w="9525">
                   <a:solidFill>
                     <a:srgbClr val="000000"/>
                   </a:solidFill>
@@ -319,7 +333,7 @@
             </a:ln>
             <a:extLst>
               <a:ext uri="{91240B29-F687-4f45-9708-019B960494DF}">
-                <a14:hiddenLine xmlns:a14="http://schemas.microsoft.com/office/drawing/2010/main" xmlns="" w="9525">
+                <a14:hiddenLine xmlns="" xmlns:a14="http://schemas.microsoft.com/office/drawing/2010/main" w="9525">
                   <a:solidFill>
                     <a:srgbClr val="000000"/>
                   </a:solidFill>
@@ -409,7 +423,7 @@
             </a:ln>
             <a:extLst>
               <a:ext uri="{91240B29-F687-4f45-9708-019B960494DF}">
-                <a14:hiddenLine xmlns:a14="http://schemas.microsoft.com/office/drawing/2010/main" xmlns="" w="9525">
+                <a14:hiddenLine xmlns="" xmlns:a14="http://schemas.microsoft.com/office/drawing/2010/main" w="9525">
                   <a:solidFill>
                     <a:srgbClr val="000000"/>
                   </a:solidFill>
@@ -443,7 +457,7 @@
             </a:ln>
             <a:extLst>
               <a:ext uri="{91240B29-F687-4f45-9708-019B960494DF}">
-                <a14:hiddenLine xmlns:a14="http://schemas.microsoft.com/office/drawing/2010/main" xmlns="" w="9525">
+                <a14:hiddenLine xmlns="" xmlns:a14="http://schemas.microsoft.com/office/drawing/2010/main" w="9525">
                   <a:solidFill>
                     <a:srgbClr val="000000"/>
                   </a:solidFill>
@@ -533,7 +547,7 @@
             </a:ln>
             <a:extLst>
               <a:ext uri="{91240B29-F687-4f45-9708-019B960494DF}">
-                <a14:hiddenLine xmlns:a14="http://schemas.microsoft.com/office/drawing/2010/main" xmlns="" w="9525">
+                <a14:hiddenLine xmlns="" xmlns:a14="http://schemas.microsoft.com/office/drawing/2010/main" w="9525">
                   <a:solidFill>
                     <a:srgbClr val="000000"/>
                   </a:solidFill>
@@ -595,7 +609,7 @@
             </a:ln>
             <a:extLst>
               <a:ext uri="{91240B29-F687-4f45-9708-019B960494DF}">
-                <a14:hiddenLine xmlns:a14="http://schemas.microsoft.com/office/drawing/2010/main" xmlns="" w="9525">
+                <a14:hiddenLine xmlns="" xmlns:a14="http://schemas.microsoft.com/office/drawing/2010/main" w="9525">
                   <a:solidFill>
                     <a:srgbClr val="000000"/>
                   </a:solidFill>
@@ -657,7 +671,7 @@
             </a:ln>
             <a:extLst>
               <a:ext uri="{91240B29-F687-4f45-9708-019B960494DF}">
-                <a14:hiddenLine xmlns:a14="http://schemas.microsoft.com/office/drawing/2010/main" xmlns="" w="9525">
+                <a14:hiddenLine xmlns="" xmlns:a14="http://schemas.microsoft.com/office/drawing/2010/main" w="9525">
                   <a:solidFill>
                     <a:srgbClr val="000000"/>
                   </a:solidFill>
@@ -747,7 +761,7 @@
             </a:ln>
             <a:extLst>
               <a:ext uri="{91240B29-F687-4f45-9708-019B960494DF}">
-                <a14:hiddenLine xmlns:a14="http://schemas.microsoft.com/office/drawing/2010/main" xmlns="" w="9525">
+                <a14:hiddenLine xmlns="" xmlns:a14="http://schemas.microsoft.com/office/drawing/2010/main" w="9525">
                   <a:solidFill>
                     <a:srgbClr val="000000"/>
                   </a:solidFill>
@@ -809,7 +823,7 @@
             </a:ln>
             <a:extLst>
               <a:ext uri="{91240B29-F687-4f45-9708-019B960494DF}">
-                <a14:hiddenLine xmlns:a14="http://schemas.microsoft.com/office/drawing/2010/main" xmlns="" w="9525">
+                <a14:hiddenLine xmlns="" xmlns:a14="http://schemas.microsoft.com/office/drawing/2010/main" w="9525">
                   <a:solidFill>
                     <a:srgbClr val="000000"/>
                   </a:solidFill>
@@ -871,7 +885,7 @@
             </a:ln>
             <a:extLst>
               <a:ext uri="{91240B29-F687-4f45-9708-019B960494DF}">
-                <a14:hiddenLine xmlns:a14="http://schemas.microsoft.com/office/drawing/2010/main" xmlns="" w="9525">
+                <a14:hiddenLine xmlns="" xmlns:a14="http://schemas.microsoft.com/office/drawing/2010/main" w="9525">
                   <a:solidFill>
                     <a:srgbClr val="000000"/>
                   </a:solidFill>
@@ -961,7 +975,7 @@
             </a:ln>
             <a:extLst>
               <a:ext uri="{91240B29-F687-4f45-9708-019B960494DF}">
-                <a14:hiddenLine xmlns:a14="http://schemas.microsoft.com/office/drawing/2010/main" xmlns="" w="9525">
+                <a14:hiddenLine xmlns="" xmlns:a14="http://schemas.microsoft.com/office/drawing/2010/main" w="9525">
                   <a:solidFill>
                     <a:srgbClr val="000000"/>
                   </a:solidFill>
@@ -1051,7 +1065,7 @@
             </a:ln>
             <a:extLst>
               <a:ext uri="{91240B29-F687-4f45-9708-019B960494DF}">
-                <a14:hiddenLine xmlns:a14="http://schemas.microsoft.com/office/drawing/2010/main" xmlns="" w="9525">
+                <a14:hiddenLine xmlns="" xmlns:a14="http://schemas.microsoft.com/office/drawing/2010/main" w="9525">
                   <a:solidFill>
                     <a:srgbClr val="000000"/>
                   </a:solidFill>
@@ -1113,7 +1127,7 @@
             </a:ln>
             <a:extLst>
               <a:ext uri="{91240B29-F687-4f45-9708-019B960494DF}">
-                <a14:hiddenLine xmlns:a14="http://schemas.microsoft.com/office/drawing/2010/main" xmlns="" w="9525">
+                <a14:hiddenLine xmlns="" xmlns:a14="http://schemas.microsoft.com/office/drawing/2010/main" w="9525">
                   <a:solidFill>
                     <a:srgbClr val="000000"/>
                   </a:solidFill>
@@ -1223,7 +1237,7 @@
             </a:ln>
             <a:extLst>
               <a:ext uri="{91240B29-F687-4f45-9708-019B960494DF}">
-                <a14:hiddenLine xmlns:a14="http://schemas.microsoft.com/office/drawing/2010/main" xmlns="" w="9525">
+                <a14:hiddenLine xmlns="" xmlns:a14="http://schemas.microsoft.com/office/drawing/2010/main" w="9525">
                   <a:solidFill>
                     <a:srgbClr val="000000"/>
                   </a:solidFill>
@@ -1285,7 +1299,7 @@
             </a:ln>
             <a:extLst>
               <a:ext uri="{91240B29-F687-4f45-9708-019B960494DF}">
-                <a14:hiddenLine xmlns:a14="http://schemas.microsoft.com/office/drawing/2010/main" xmlns="" w="9525">
+                <a14:hiddenLine xmlns="" xmlns:a14="http://schemas.microsoft.com/office/drawing/2010/main" w="9525">
                   <a:solidFill>
                     <a:srgbClr val="000000"/>
                   </a:solidFill>
@@ -1375,7 +1389,7 @@
             </a:ln>
             <a:extLst>
               <a:ext uri="{91240B29-F687-4f45-9708-019B960494DF}">
-                <a14:hiddenLine xmlns:a14="http://schemas.microsoft.com/office/drawing/2010/main" xmlns="" w="9525">
+                <a14:hiddenLine xmlns="" xmlns:a14="http://schemas.microsoft.com/office/drawing/2010/main" w="9525">
                   <a:solidFill>
                     <a:srgbClr val="000000"/>
                   </a:solidFill>
@@ -1465,7 +1479,7 @@
             </a:ln>
             <a:extLst>
               <a:ext uri="{91240B29-F687-4f45-9708-019B960494DF}">
-                <a14:hiddenLine xmlns:a14="http://schemas.microsoft.com/office/drawing/2010/main" xmlns="" w="9525">
+                <a14:hiddenLine xmlns="" xmlns:a14="http://schemas.microsoft.com/office/drawing/2010/main" w="9525">
                   <a:solidFill>
                     <a:srgbClr val="000000"/>
                   </a:solidFill>
@@ -1527,7 +1541,7 @@
             </a:ln>
             <a:extLst>
               <a:ext uri="{91240B29-F687-4f45-9708-019B960494DF}">
-                <a14:hiddenLine xmlns:a14="http://schemas.microsoft.com/office/drawing/2010/main" xmlns="" w="9525">
+                <a14:hiddenLine xmlns="" xmlns:a14="http://schemas.microsoft.com/office/drawing/2010/main" w="9525">
                   <a:solidFill>
                     <a:srgbClr val="000000"/>
                   </a:solidFill>
@@ -1617,7 +1631,7 @@
             </a:ln>
             <a:extLst>
               <a:ext uri="{91240B29-F687-4f45-9708-019B960494DF}">
-                <a14:hiddenLine xmlns:a14="http://schemas.microsoft.com/office/drawing/2010/main" xmlns="" w="9525">
+                <a14:hiddenLine xmlns="" xmlns:a14="http://schemas.microsoft.com/office/drawing/2010/main" w="9525">
                   <a:solidFill>
                     <a:srgbClr val="000000"/>
                   </a:solidFill>
@@ -1707,7 +1721,7 @@
             </a:ln>
             <a:extLst>
               <a:ext uri="{91240B29-F687-4f45-9708-019B960494DF}">
-                <a14:hiddenLine xmlns:a14="http://schemas.microsoft.com/office/drawing/2010/main" xmlns="" w="9525">
+                <a14:hiddenLine xmlns="" xmlns:a14="http://schemas.microsoft.com/office/drawing/2010/main" w="9525">
                   <a:solidFill>
                     <a:srgbClr val="000000"/>
                   </a:solidFill>
@@ -1763,7 +1777,7 @@
             </a:ln>
             <a:extLst>
               <a:ext uri="{91240B29-F687-4f45-9708-019B960494DF}">
-                <a14:hiddenLine xmlns:a14="http://schemas.microsoft.com/office/drawing/2010/main" xmlns="" w="9525">
+                <a14:hiddenLine xmlns="" xmlns:a14="http://schemas.microsoft.com/office/drawing/2010/main" w="9525">
                   <a:solidFill>
                     <a:srgbClr val="000000"/>
                   </a:solidFill>
@@ -1853,7 +1867,7 @@
             </a:ln>
             <a:extLst>
               <a:ext uri="{91240B29-F687-4f45-9708-019B960494DF}">
-                <a14:hiddenLine xmlns:a14="http://schemas.microsoft.com/office/drawing/2010/main" xmlns="" w="9525">
+                <a14:hiddenLine xmlns="" xmlns:a14="http://schemas.microsoft.com/office/drawing/2010/main" w="9525">
                   <a:solidFill>
                     <a:srgbClr val="000000"/>
                   </a:solidFill>
@@ -1909,7 +1923,7 @@
             </a:ln>
             <a:extLst>
               <a:ext uri="{91240B29-F687-4f45-9708-019B960494DF}">
-                <a14:hiddenLine xmlns:a14="http://schemas.microsoft.com/office/drawing/2010/main" xmlns="" w="9525">
+                <a14:hiddenLine xmlns="" xmlns:a14="http://schemas.microsoft.com/office/drawing/2010/main" w="9525">
                   <a:solidFill>
                     <a:srgbClr val="000000"/>
                   </a:solidFill>
@@ -1999,7 +2013,7 @@
             </a:ln>
             <a:extLst>
               <a:ext uri="{91240B29-F687-4f45-9708-019B960494DF}">
-                <a14:hiddenLine xmlns:a14="http://schemas.microsoft.com/office/drawing/2010/main" xmlns="" w="9525">
+                <a14:hiddenLine xmlns="" xmlns:a14="http://schemas.microsoft.com/office/drawing/2010/main" w="9525">
                   <a:solidFill>
                     <a:srgbClr val="000000"/>
                   </a:solidFill>
@@ -2067,7 +2081,7 @@
             </a:ln>
             <a:extLst>
               <a:ext uri="{91240B29-F687-4f45-9708-019B960494DF}">
-                <a14:hiddenLine xmlns:a14="http://schemas.microsoft.com/office/drawing/2010/main" xmlns="" w="9525">
+                <a14:hiddenLine xmlns="" xmlns:a14="http://schemas.microsoft.com/office/drawing/2010/main" w="9525">
                   <a:solidFill>
                     <a:srgbClr val="000000"/>
                   </a:solidFill>
@@ -2157,7 +2171,7 @@
             </a:ln>
             <a:extLst>
               <a:ext uri="{91240B29-F687-4f45-9708-019B960494DF}">
-                <a14:hiddenLine xmlns:a14="http://schemas.microsoft.com/office/drawing/2010/main" xmlns="" w="9525">
+                <a14:hiddenLine xmlns="" xmlns:a14="http://schemas.microsoft.com/office/drawing/2010/main" w="9525">
                   <a:solidFill>
                     <a:srgbClr val="000000"/>
                   </a:solidFill>
@@ -2225,7 +2239,7 @@
             </a:ln>
             <a:extLst>
               <a:ext uri="{91240B29-F687-4f45-9708-019B960494DF}">
-                <a14:hiddenLine xmlns:a14="http://schemas.microsoft.com/office/drawing/2010/main" xmlns="" w="9525">
+                <a14:hiddenLine xmlns="" xmlns:a14="http://schemas.microsoft.com/office/drawing/2010/main" w="9525">
                   <a:solidFill>
                     <a:srgbClr val="000000"/>
                   </a:solidFill>
@@ -2315,7 +2329,7 @@
             </a:ln>
             <a:extLst>
               <a:ext uri="{91240B29-F687-4f45-9708-019B960494DF}">
-                <a14:hiddenLine xmlns:a14="http://schemas.microsoft.com/office/drawing/2010/main" xmlns="" w="9525">
+                <a14:hiddenLine xmlns="" xmlns:a14="http://schemas.microsoft.com/office/drawing/2010/main" w="9525">
                   <a:solidFill>
                     <a:srgbClr val="000000"/>
                   </a:solidFill>
@@ -2349,7 +2363,7 @@
             </a:ln>
             <a:extLst>
               <a:ext uri="{91240B29-F687-4f45-9708-019B960494DF}">
-                <a14:hiddenLine xmlns:a14="http://schemas.microsoft.com/office/drawing/2010/main" xmlns="" w="9525">
+                <a14:hiddenLine xmlns="" xmlns:a14="http://schemas.microsoft.com/office/drawing/2010/main" w="9525">
                   <a:solidFill>
                     <a:srgbClr val="000000"/>
                   </a:solidFill>
@@ -2439,7 +2453,7 @@
             </a:ln>
             <a:extLst>
               <a:ext uri="{91240B29-F687-4f45-9708-019B960494DF}">
-                <a14:hiddenLine xmlns:a14="http://schemas.microsoft.com/office/drawing/2010/main" xmlns="" w="9525">
+                <a14:hiddenLine xmlns="" xmlns:a14="http://schemas.microsoft.com/office/drawing/2010/main" w="9525">
                   <a:solidFill>
                     <a:srgbClr val="000000"/>
                   </a:solidFill>
@@ -2501,7 +2515,7 @@
             </a:ln>
             <a:extLst>
               <a:ext uri="{91240B29-F687-4f45-9708-019B960494DF}">
-                <a14:hiddenLine xmlns:a14="http://schemas.microsoft.com/office/drawing/2010/main" xmlns="" w="9525">
+                <a14:hiddenLine xmlns="" xmlns:a14="http://schemas.microsoft.com/office/drawing/2010/main" w="9525">
                   <a:solidFill>
                     <a:srgbClr val="000000"/>
                   </a:solidFill>
@@ -2563,7 +2577,7 @@
             </a:ln>
             <a:extLst>
               <a:ext uri="{91240B29-F687-4f45-9708-019B960494DF}">
-                <a14:hiddenLine xmlns:a14="http://schemas.microsoft.com/office/drawing/2010/main" xmlns="" w="9525">
+                <a14:hiddenLine xmlns="" xmlns:a14="http://schemas.microsoft.com/office/drawing/2010/main" w="9525">
                   <a:solidFill>
                     <a:srgbClr val="000000"/>
                   </a:solidFill>
@@ -2653,7 +2667,7 @@
             </a:ln>
             <a:extLst>
               <a:ext uri="{91240B29-F687-4f45-9708-019B960494DF}">
-                <a14:hiddenLine xmlns:a14="http://schemas.microsoft.com/office/drawing/2010/main" xmlns="" w="9525">
+                <a14:hiddenLine xmlns="" xmlns:a14="http://schemas.microsoft.com/office/drawing/2010/main" w="9525">
                   <a:solidFill>
                     <a:srgbClr val="000000"/>
                   </a:solidFill>
@@ -2721,7 +2735,7 @@
             </a:ln>
             <a:extLst>
               <a:ext uri="{91240B29-F687-4f45-9708-019B960494DF}">
-                <a14:hiddenLine xmlns:a14="http://schemas.microsoft.com/office/drawing/2010/main" xmlns="" w="9525">
+                <a14:hiddenLine xmlns="" xmlns:a14="http://schemas.microsoft.com/office/drawing/2010/main" w="9525">
                   <a:solidFill>
                     <a:srgbClr val="000000"/>
                   </a:solidFill>
@@ -2783,7 +2797,7 @@
             </a:ln>
             <a:extLst>
               <a:ext uri="{91240B29-F687-4f45-9708-019B960494DF}">
-                <a14:hiddenLine xmlns:a14="http://schemas.microsoft.com/office/drawing/2010/main" xmlns="" w="9525">
+                <a14:hiddenLine xmlns="" xmlns:a14="http://schemas.microsoft.com/office/drawing/2010/main" w="9525">
                   <a:solidFill>
                     <a:srgbClr val="000000"/>
                   </a:solidFill>
@@ -2873,7 +2887,7 @@
             </a:ln>
             <a:extLst>
               <a:ext uri="{91240B29-F687-4f45-9708-019B960494DF}">
-                <a14:hiddenLine xmlns:a14="http://schemas.microsoft.com/office/drawing/2010/main" xmlns="" w="9525">
+                <a14:hiddenLine xmlns="" xmlns:a14="http://schemas.microsoft.com/office/drawing/2010/main" w="9525">
                   <a:solidFill>
                     <a:srgbClr val="000000"/>
                   </a:solidFill>
@@ -2935,7 +2949,7 @@
             </a:ln>
             <a:extLst>
               <a:ext uri="{91240B29-F687-4f45-9708-019B960494DF}">
-                <a14:hiddenLine xmlns:a14="http://schemas.microsoft.com/office/drawing/2010/main" xmlns="" w="9525">
+                <a14:hiddenLine xmlns="" xmlns:a14="http://schemas.microsoft.com/office/drawing/2010/main" w="9525">
                   <a:solidFill>
                     <a:srgbClr val="000000"/>
                   </a:solidFill>
@@ -3025,7 +3039,7 @@
             </a:ln>
             <a:extLst>
               <a:ext uri="{91240B29-F687-4f45-9708-019B960494DF}">
-                <a14:hiddenLine xmlns:a14="http://schemas.microsoft.com/office/drawing/2010/main" xmlns="" w="9525">
+                <a14:hiddenLine xmlns="" xmlns:a14="http://schemas.microsoft.com/office/drawing/2010/main" w="9525">
                   <a:solidFill>
                     <a:srgbClr val="000000"/>
                   </a:solidFill>
@@ -3087,7 +3101,7 @@
             </a:ln>
             <a:extLst>
               <a:ext uri="{91240B29-F687-4f45-9708-019B960494DF}">
-                <a14:hiddenLine xmlns:a14="http://schemas.microsoft.com/office/drawing/2010/main" xmlns="" w="9525">
+                <a14:hiddenLine xmlns="" xmlns:a14="http://schemas.microsoft.com/office/drawing/2010/main" w="9525">
                   <a:solidFill>
                     <a:srgbClr val="000000"/>
                   </a:solidFill>
@@ -3177,7 +3191,7 @@
             </a:ln>
             <a:extLst>
               <a:ext uri="{91240B29-F687-4f45-9708-019B960494DF}">
-                <a14:hiddenLine xmlns:a14="http://schemas.microsoft.com/office/drawing/2010/main" xmlns="" w="9525">
+                <a14:hiddenLine xmlns="" xmlns:a14="http://schemas.microsoft.com/office/drawing/2010/main" w="9525">
                   <a:solidFill>
                     <a:srgbClr val="000000"/>
                   </a:solidFill>
@@ -3211,7 +3225,7 @@
             </a:ln>
             <a:extLst>
               <a:ext uri="{91240B29-F687-4f45-9708-019B960494DF}">
-                <a14:hiddenLine xmlns:a14="http://schemas.microsoft.com/office/drawing/2010/main" xmlns="" w="9525">
+                <a14:hiddenLine xmlns="" xmlns:a14="http://schemas.microsoft.com/office/drawing/2010/main" w="9525">
                   <a:solidFill>
                     <a:srgbClr val="000000"/>
                   </a:solidFill>
@@ -3276,7 +3290,7 @@
             </a:ln>
             <a:extLst>
               <a:ext uri="{91240B29-F687-4f45-9708-019B960494DF}">
-                <a14:hiddenLine xmlns:a14="http://schemas.microsoft.com/office/drawing/2010/main" xmlns="" w="9525">
+                <a14:hiddenLine xmlns="" xmlns:a14="http://schemas.microsoft.com/office/drawing/2010/main" w="9525">
                   <a:solidFill>
                     <a:srgbClr val="000000"/>
                   </a:solidFill>
@@ -3366,7 +3380,7 @@
             </a:ln>
             <a:extLst>
               <a:ext uri="{91240B29-F687-4f45-9708-019B960494DF}">
-                <a14:hiddenLine xmlns:a14="http://schemas.microsoft.com/office/drawing/2010/main" xmlns="" w="9525">
+                <a14:hiddenLine xmlns="" xmlns:a14="http://schemas.microsoft.com/office/drawing/2010/main" w="9525">
                   <a:solidFill>
                     <a:srgbClr val="000000"/>
                   </a:solidFill>
@@ -3428,7 +3442,7 @@
             </a:ln>
             <a:extLst>
               <a:ext uri="{91240B29-F687-4f45-9708-019B960494DF}">
-                <a14:hiddenLine xmlns:a14="http://schemas.microsoft.com/office/drawing/2010/main" xmlns="" w="9525">
+                <a14:hiddenLine xmlns="" xmlns:a14="http://schemas.microsoft.com/office/drawing/2010/main" w="9525">
                   <a:solidFill>
                     <a:srgbClr val="000000"/>
                   </a:solidFill>
@@ -3518,7 +3532,7 @@
             </a:ln>
             <a:extLst>
               <a:ext uri="{91240B29-F687-4f45-9708-019B960494DF}">
-                <a14:hiddenLine xmlns:a14="http://schemas.microsoft.com/office/drawing/2010/main" xmlns="" w="9525">
+                <a14:hiddenLine xmlns="" xmlns:a14="http://schemas.microsoft.com/office/drawing/2010/main" w="9525">
                   <a:solidFill>
                     <a:srgbClr val="000000"/>
                   </a:solidFill>
@@ -3608,7 +3622,7 @@
             </a:ln>
             <a:extLst>
               <a:ext uri="{91240B29-F687-4f45-9708-019B960494DF}">
-                <a14:hiddenLine xmlns:a14="http://schemas.microsoft.com/office/drawing/2010/main" xmlns="" w="9525">
+                <a14:hiddenLine xmlns="" xmlns:a14="http://schemas.microsoft.com/office/drawing/2010/main" w="9525">
                   <a:solidFill>
                     <a:srgbClr val="000000"/>
                   </a:solidFill>
@@ -3673,7 +3687,7 @@
             </a:ln>
             <a:extLst>
               <a:ext uri="{91240B29-F687-4f45-9708-019B960494DF}">
-                <a14:hiddenLine xmlns:a14="http://schemas.microsoft.com/office/drawing/2010/main" xmlns="" w="9525">
+                <a14:hiddenLine xmlns="" xmlns:a14="http://schemas.microsoft.com/office/drawing/2010/main" w="9525">
                   <a:solidFill>
                     <a:srgbClr val="000000"/>
                   </a:solidFill>
@@ -3735,7 +3749,7 @@
             </a:ln>
             <a:extLst>
               <a:ext uri="{91240B29-F687-4f45-9708-019B960494DF}">
-                <a14:hiddenLine xmlns:a14="http://schemas.microsoft.com/office/drawing/2010/main" xmlns="" w="9525">
+                <a14:hiddenLine xmlns="" xmlns:a14="http://schemas.microsoft.com/office/drawing/2010/main" w="9525">
                   <a:solidFill>
                     <a:srgbClr val="000000"/>
                   </a:solidFill>
@@ -3825,7 +3839,7 @@
             </a:ln>
             <a:extLst>
               <a:ext uri="{91240B29-F687-4f45-9708-019B960494DF}">
-                <a14:hiddenLine xmlns:a14="http://schemas.microsoft.com/office/drawing/2010/main" xmlns="" w="9525">
+                <a14:hiddenLine xmlns="" xmlns:a14="http://schemas.microsoft.com/office/drawing/2010/main" w="9525">
                   <a:solidFill>
                     <a:srgbClr val="000000"/>
                   </a:solidFill>
@@ -3915,7 +3929,7 @@
             </a:ln>
             <a:extLst>
               <a:ext uri="{91240B29-F687-4f45-9708-019B960494DF}">
-                <a14:hiddenLine xmlns:a14="http://schemas.microsoft.com/office/drawing/2010/main" xmlns="" w="9525">
+                <a14:hiddenLine xmlns="" xmlns:a14="http://schemas.microsoft.com/office/drawing/2010/main" w="9525">
                   <a:solidFill>
                     <a:srgbClr val="000000"/>
                   </a:solidFill>
@@ -3977,7 +3991,7 @@
             </a:ln>
             <a:extLst>
               <a:ext uri="{91240B29-F687-4f45-9708-019B960494DF}">
-                <a14:hiddenLine xmlns:a14="http://schemas.microsoft.com/office/drawing/2010/main" xmlns="" w="9525">
+                <a14:hiddenLine xmlns="" xmlns:a14="http://schemas.microsoft.com/office/drawing/2010/main" w="9525">
                   <a:solidFill>
                     <a:srgbClr val="000000"/>
                   </a:solidFill>
@@ -4097,7 +4111,7 @@
             </a:ln>
             <a:extLst>
               <a:ext uri="{91240B29-F687-4f45-9708-019B960494DF}">
-                <a14:hiddenLine xmlns:a14="http://schemas.microsoft.com/office/drawing/2010/main" xmlns="" w="9525">
+                <a14:hiddenLine xmlns="" xmlns:a14="http://schemas.microsoft.com/office/drawing/2010/main" w="9525">
                   <a:solidFill>
                     <a:srgbClr val="000000"/>
                   </a:solidFill>
@@ -4165,7 +4179,7 @@
             </a:ln>
             <a:extLst>
               <a:ext uri="{91240B29-F687-4f45-9708-019B960494DF}">
-                <a14:hiddenLine xmlns:a14="http://schemas.microsoft.com/office/drawing/2010/main" xmlns="" w="9525">
+                <a14:hiddenLine xmlns="" xmlns:a14="http://schemas.microsoft.com/office/drawing/2010/main" w="9525">
                   <a:solidFill>
                     <a:srgbClr val="000000"/>
                   </a:solidFill>
@@ -4255,7 +4269,7 @@
             </a:ln>
             <a:extLst>
               <a:ext uri="{91240B29-F687-4f45-9708-019B960494DF}">
-                <a14:hiddenLine xmlns:a14="http://schemas.microsoft.com/office/drawing/2010/main" xmlns="" w="9525">
+                <a14:hiddenLine xmlns="" xmlns:a14="http://schemas.microsoft.com/office/drawing/2010/main" w="9525">
                   <a:solidFill>
                     <a:srgbClr val="000000"/>
                   </a:solidFill>
@@ -4395,7 +4409,7 @@
           <a:p>
             <a:fld id="{48A87A34-81AB-432B-8DAE-1953F412C126}" type="datetimeFigureOut">
               <a:rPr lang="en-US" dirty="0"/>
-              <a:t>4/29/2020</a:t>
+              <a:t>5/3/2020</a:t>
             </a:fld>
             <a:endParaRPr lang="en-US" dirty="0"/>
           </a:p>
@@ -4657,7 +4671,7 @@
           <a:p>
             <a:fld id="{48A87A34-81AB-432B-8DAE-1953F412C126}" type="datetimeFigureOut">
               <a:rPr lang="en-US" dirty="0"/>
-              <a:t>4/29/2020</a:t>
+              <a:t>5/3/2020</a:t>
             </a:fld>
             <a:endParaRPr lang="en-US" dirty="0"/>
           </a:p>
@@ -4848,7 +4862,7 @@
           <a:p>
             <a:fld id="{48A87A34-81AB-432B-8DAE-1953F412C126}" type="datetimeFigureOut">
               <a:rPr lang="en-US" dirty="0"/>
-              <a:t>4/29/2020</a:t>
+              <a:t>5/3/2020</a:t>
             </a:fld>
             <a:endParaRPr lang="en-US" dirty="0"/>
           </a:p>
@@ -5106,7 +5120,7 @@
           <a:p>
             <a:fld id="{48A87A34-81AB-432B-8DAE-1953F412C126}" type="datetimeFigureOut">
               <a:rPr lang="en-US" dirty="0"/>
-              <a:t>4/29/2020</a:t>
+              <a:t>5/3/2020</a:t>
             </a:fld>
             <a:endParaRPr lang="en-US" dirty="0"/>
           </a:p>
@@ -5535,7 +5549,7 @@
           <a:p>
             <a:fld id="{48A87A34-81AB-432B-8DAE-1953F412C126}" type="datetimeFigureOut">
               <a:rPr lang="en-US" dirty="0"/>
-              <a:t>4/29/2020</a:t>
+              <a:t>5/3/2020</a:t>
             </a:fld>
             <a:endParaRPr lang="en-US" dirty="0"/>
           </a:p>
@@ -6076,7 +6090,7 @@
           <a:p>
             <a:fld id="{48A87A34-81AB-432B-8DAE-1953F412C126}" type="datetimeFigureOut">
               <a:rPr lang="en-US" dirty="0"/>
-              <a:t>4/29/2020</a:t>
+              <a:t>5/3/2020</a:t>
             </a:fld>
             <a:endParaRPr lang="en-US" dirty="0"/>
           </a:p>
@@ -6791,7 +6805,7 @@
           <a:p>
             <a:fld id="{48A87A34-81AB-432B-8DAE-1953F412C126}" type="datetimeFigureOut">
               <a:rPr lang="en-US" dirty="0"/>
-              <a:t>4/29/2020</a:t>
+              <a:t>5/3/2020</a:t>
             </a:fld>
             <a:endParaRPr lang="en-US" dirty="0"/>
           </a:p>
@@ -6956,7 +6970,7 @@
           <a:p>
             <a:fld id="{48A87A34-81AB-432B-8DAE-1953F412C126}" type="datetimeFigureOut">
               <a:rPr lang="en-US" dirty="0"/>
-              <a:t>4/29/2020</a:t>
+              <a:t>5/3/2020</a:t>
             </a:fld>
             <a:endParaRPr lang="en-US" dirty="0"/>
           </a:p>
@@ -7131,7 +7145,7 @@
           <a:p>
             <a:fld id="{48A87A34-81AB-432B-8DAE-1953F412C126}" type="datetimeFigureOut">
               <a:rPr lang="en-US" dirty="0"/>
-              <a:t>4/29/2020</a:t>
+              <a:t>5/3/2020</a:t>
             </a:fld>
             <a:endParaRPr lang="en-US" dirty="0"/>
           </a:p>
@@ -7296,7 +7310,7 @@
           <a:p>
             <a:fld id="{48A87A34-81AB-432B-8DAE-1953F412C126}" type="datetimeFigureOut">
               <a:rPr lang="en-US" dirty="0"/>
-              <a:t>4/29/2020</a:t>
+              <a:t>5/3/2020</a:t>
             </a:fld>
             <a:endParaRPr lang="en-US" dirty="0"/>
           </a:p>
@@ -7541,7 +7555,7 @@
           <a:p>
             <a:fld id="{48A87A34-81AB-432B-8DAE-1953F412C126}" type="datetimeFigureOut">
               <a:rPr lang="en-US" dirty="0"/>
-              <a:t>4/29/2020</a:t>
+              <a:t>5/3/2020</a:t>
             </a:fld>
             <a:endParaRPr lang="en-US" dirty="0"/>
           </a:p>
@@ -7768,7 +7782,7 @@
           <a:p>
             <a:fld id="{48A87A34-81AB-432B-8DAE-1953F412C126}" type="datetimeFigureOut">
               <a:rPr lang="en-US" dirty="0"/>
-              <a:t>4/29/2020</a:t>
+              <a:t>5/3/2020</a:t>
             </a:fld>
             <a:endParaRPr lang="en-US" dirty="0"/>
           </a:p>
@@ -8144,7 +8158,7 @@
           <a:p>
             <a:fld id="{48A87A34-81AB-432B-8DAE-1953F412C126}" type="datetimeFigureOut">
               <a:rPr lang="en-US" dirty="0"/>
-              <a:t>4/29/2020</a:t>
+              <a:t>5/3/2020</a:t>
             </a:fld>
             <a:endParaRPr lang="en-US" dirty="0"/>
           </a:p>
@@ -8257,7 +8271,7 @@
           <a:p>
             <a:fld id="{48A87A34-81AB-432B-8DAE-1953F412C126}" type="datetimeFigureOut">
               <a:rPr lang="en-US" dirty="0"/>
-              <a:t>4/29/2020</a:t>
+              <a:t>5/3/2020</a:t>
             </a:fld>
             <a:endParaRPr lang="en-US" dirty="0"/>
           </a:p>
@@ -8347,7 +8361,7 @@
           <a:p>
             <a:fld id="{48A87A34-81AB-432B-8DAE-1953F412C126}" type="datetimeFigureOut">
               <a:rPr lang="en-US" dirty="0"/>
-              <a:t>4/29/2020</a:t>
+              <a:t>5/3/2020</a:t>
             </a:fld>
             <a:endParaRPr lang="en-US" dirty="0"/>
           </a:p>
@@ -8591,7 +8605,7 @@
           <a:p>
             <a:fld id="{48A87A34-81AB-432B-8DAE-1953F412C126}" type="datetimeFigureOut">
               <a:rPr lang="en-US" dirty="0"/>
-              <a:t>4/29/2020</a:t>
+              <a:t>5/3/2020</a:t>
             </a:fld>
             <a:endParaRPr lang="en-US" dirty="0"/>
           </a:p>
@@ -8866,7 +8880,7 @@
           <a:p>
             <a:fld id="{48A87A34-81AB-432B-8DAE-1953F412C126}" type="datetimeFigureOut">
               <a:rPr lang="en-US" dirty="0"/>
-              <a:t>4/29/2020</a:t>
+              <a:t>5/3/2020</a:t>
             </a:fld>
             <a:endParaRPr lang="en-US" dirty="0"/>
           </a:p>
@@ -8984,7 +8998,7 @@
           <a:noFill/>
           <a:extLst>
             <a:ext uri="{909E8E84-426E-40dd-AFC4-6F175D3DCCD1}">
-              <a14:hiddenFill xmlns:a14="http://schemas.microsoft.com/office/drawing/2010/main" xmlns="">
+              <a14:hiddenFill xmlns="" xmlns:a14="http://schemas.microsoft.com/office/drawing/2010/main">
                 <a:solidFill>
                   <a:srgbClr val="FFFFFF"/>
                 </a:solidFill>
@@ -9058,7 +9072,7 @@
               </a:ln>
               <a:extLst>
                 <a:ext uri="{91240B29-F687-4f45-9708-019B960494DF}">
-                  <a14:hiddenLine xmlns:a14="http://schemas.microsoft.com/office/drawing/2010/main" xmlns="" w="9525">
+                  <a14:hiddenLine xmlns="" xmlns:a14="http://schemas.microsoft.com/office/drawing/2010/main" w="9525">
                     <a:solidFill>
                       <a:srgbClr val="000000"/>
                     </a:solidFill>
@@ -9148,7 +9162,7 @@
               </a:ln>
               <a:extLst>
                 <a:ext uri="{91240B29-F687-4f45-9708-019B960494DF}">
-                  <a14:hiddenLine xmlns:a14="http://schemas.microsoft.com/office/drawing/2010/main" xmlns="" w="9525">
+                  <a14:hiddenLine xmlns="" xmlns:a14="http://schemas.microsoft.com/office/drawing/2010/main" w="9525">
                     <a:solidFill>
                       <a:srgbClr val="000000"/>
                     </a:solidFill>
@@ -9238,7 +9252,7 @@
               </a:ln>
               <a:extLst>
                 <a:ext uri="{91240B29-F687-4f45-9708-019B960494DF}">
-                  <a14:hiddenLine xmlns:a14="http://schemas.microsoft.com/office/drawing/2010/main" xmlns="" w="9525">
+                  <a14:hiddenLine xmlns="" xmlns:a14="http://schemas.microsoft.com/office/drawing/2010/main" w="9525">
                     <a:solidFill>
                       <a:srgbClr val="000000"/>
                     </a:solidFill>
@@ -9300,7 +9314,7 @@
               </a:ln>
               <a:extLst>
                 <a:ext uri="{91240B29-F687-4f45-9708-019B960494DF}">
-                  <a14:hiddenLine xmlns:a14="http://schemas.microsoft.com/office/drawing/2010/main" xmlns="" w="9525">
+                  <a14:hiddenLine xmlns="" xmlns:a14="http://schemas.microsoft.com/office/drawing/2010/main" w="9525">
                     <a:solidFill>
                       <a:srgbClr val="000000"/>
                     </a:solidFill>
@@ -9390,7 +9404,7 @@
               </a:ln>
               <a:extLst>
                 <a:ext uri="{91240B29-F687-4f45-9708-019B960494DF}">
-                  <a14:hiddenLine xmlns:a14="http://schemas.microsoft.com/office/drawing/2010/main" xmlns="" w="9525">
+                  <a14:hiddenLine xmlns="" xmlns:a14="http://schemas.microsoft.com/office/drawing/2010/main" w="9525">
                     <a:solidFill>
                       <a:srgbClr val="000000"/>
                     </a:solidFill>
@@ -9452,7 +9466,7 @@
               </a:ln>
               <a:extLst>
                 <a:ext uri="{91240B29-F687-4f45-9708-019B960494DF}">
-                  <a14:hiddenLine xmlns:a14="http://schemas.microsoft.com/office/drawing/2010/main" xmlns="" w="9525">
+                  <a14:hiddenLine xmlns="" xmlns:a14="http://schemas.microsoft.com/office/drawing/2010/main" w="9525">
                     <a:solidFill>
                       <a:srgbClr val="000000"/>
                     </a:solidFill>
@@ -9514,7 +9528,7 @@
               </a:ln>
               <a:extLst>
                 <a:ext uri="{91240B29-F687-4f45-9708-019B960494DF}">
-                  <a14:hiddenLine xmlns:a14="http://schemas.microsoft.com/office/drawing/2010/main" xmlns="" w="9525">
+                  <a14:hiddenLine xmlns="" xmlns:a14="http://schemas.microsoft.com/office/drawing/2010/main" w="9525">
                     <a:solidFill>
                       <a:srgbClr val="000000"/>
                     </a:solidFill>
@@ -9604,7 +9618,7 @@
               </a:ln>
               <a:extLst>
                 <a:ext uri="{91240B29-F687-4f45-9708-019B960494DF}">
-                  <a14:hiddenLine xmlns:a14="http://schemas.microsoft.com/office/drawing/2010/main" xmlns="" w="9525">
+                  <a14:hiddenLine xmlns="" xmlns:a14="http://schemas.microsoft.com/office/drawing/2010/main" w="9525">
                     <a:solidFill>
                       <a:srgbClr val="000000"/>
                     </a:solidFill>
@@ -9694,7 +9708,7 @@
               </a:ln>
               <a:extLst>
                 <a:ext uri="{91240B29-F687-4f45-9708-019B960494DF}">
-                  <a14:hiddenLine xmlns:a14="http://schemas.microsoft.com/office/drawing/2010/main" xmlns="" w="9525">
+                  <a14:hiddenLine xmlns="" xmlns:a14="http://schemas.microsoft.com/office/drawing/2010/main" w="9525">
                     <a:solidFill>
                       <a:srgbClr val="000000"/>
                     </a:solidFill>
@@ -9756,7 +9770,7 @@
               </a:ln>
               <a:extLst>
                 <a:ext uri="{91240B29-F687-4f45-9708-019B960494DF}">
-                  <a14:hiddenLine xmlns:a14="http://schemas.microsoft.com/office/drawing/2010/main" xmlns="" w="9525">
+                  <a14:hiddenLine xmlns="" xmlns:a14="http://schemas.microsoft.com/office/drawing/2010/main" w="9525">
                     <a:solidFill>
                       <a:srgbClr val="000000"/>
                     </a:solidFill>
@@ -9866,7 +9880,7 @@
               </a:ln>
               <a:extLst>
                 <a:ext uri="{91240B29-F687-4f45-9708-019B960494DF}">
-                  <a14:hiddenLine xmlns:a14="http://schemas.microsoft.com/office/drawing/2010/main" xmlns="" w="9525">
+                  <a14:hiddenLine xmlns="" xmlns:a14="http://schemas.microsoft.com/office/drawing/2010/main" w="9525">
                     <a:solidFill>
                       <a:srgbClr val="000000"/>
                     </a:solidFill>
@@ -9950,7 +9964,7 @@
               </a:ln>
               <a:extLst>
                 <a:ext uri="{91240B29-F687-4f45-9708-019B960494DF}">
-                  <a14:hiddenLine xmlns:a14="http://schemas.microsoft.com/office/drawing/2010/main" xmlns="" w="9525">
+                  <a14:hiddenLine xmlns="" xmlns:a14="http://schemas.microsoft.com/office/drawing/2010/main" w="9525">
                     <a:solidFill>
                       <a:srgbClr val="000000"/>
                     </a:solidFill>
@@ -10012,7 +10026,7 @@
               </a:ln>
               <a:extLst>
                 <a:ext uri="{91240B29-F687-4f45-9708-019B960494DF}">
-                  <a14:hiddenLine xmlns:a14="http://schemas.microsoft.com/office/drawing/2010/main" xmlns="" w="9525">
+                  <a14:hiddenLine xmlns="" xmlns:a14="http://schemas.microsoft.com/office/drawing/2010/main" w="9525">
                     <a:solidFill>
                       <a:srgbClr val="000000"/>
                     </a:solidFill>
@@ -10074,7 +10088,7 @@
               </a:ln>
               <a:extLst>
                 <a:ext uri="{91240B29-F687-4f45-9708-019B960494DF}">
-                  <a14:hiddenLine xmlns:a14="http://schemas.microsoft.com/office/drawing/2010/main" xmlns="" w="9525">
+                  <a14:hiddenLine xmlns="" xmlns:a14="http://schemas.microsoft.com/office/drawing/2010/main" w="9525">
                     <a:solidFill>
                       <a:srgbClr val="000000"/>
                     </a:solidFill>
@@ -10164,7 +10178,7 @@
               </a:ln>
               <a:extLst>
                 <a:ext uri="{91240B29-F687-4f45-9708-019B960494DF}">
-                  <a14:hiddenLine xmlns:a14="http://schemas.microsoft.com/office/drawing/2010/main" xmlns="" w="9525">
+                  <a14:hiddenLine xmlns="" xmlns:a14="http://schemas.microsoft.com/office/drawing/2010/main" w="9525">
                     <a:solidFill>
                       <a:srgbClr val="000000"/>
                     </a:solidFill>
@@ -10198,7 +10212,7 @@
               </a:ln>
               <a:extLst>
                 <a:ext uri="{91240B29-F687-4f45-9708-019B960494DF}">
-                  <a14:hiddenLine xmlns:a14="http://schemas.microsoft.com/office/drawing/2010/main" xmlns="" w="9525">
+                  <a14:hiddenLine xmlns="" xmlns:a14="http://schemas.microsoft.com/office/drawing/2010/main" w="9525">
                     <a:solidFill>
                       <a:srgbClr val="000000"/>
                     </a:solidFill>
@@ -10263,7 +10277,7 @@
               </a:ln>
               <a:extLst>
                 <a:ext uri="{91240B29-F687-4f45-9708-019B960494DF}">
-                  <a14:hiddenLine xmlns:a14="http://schemas.microsoft.com/office/drawing/2010/main" xmlns="" w="9525">
+                  <a14:hiddenLine xmlns="" xmlns:a14="http://schemas.microsoft.com/office/drawing/2010/main" w="9525">
                     <a:solidFill>
                       <a:srgbClr val="000000"/>
                     </a:solidFill>
@@ -10353,7 +10367,7 @@
               </a:ln>
               <a:extLst>
                 <a:ext uri="{91240B29-F687-4f45-9708-019B960494DF}">
-                  <a14:hiddenLine xmlns:a14="http://schemas.microsoft.com/office/drawing/2010/main" xmlns="" w="9525">
+                  <a14:hiddenLine xmlns="" xmlns:a14="http://schemas.microsoft.com/office/drawing/2010/main" w="9525">
                     <a:solidFill>
                       <a:srgbClr val="000000"/>
                     </a:solidFill>
@@ -10415,7 +10429,7 @@
               </a:ln>
               <a:extLst>
                 <a:ext uri="{91240B29-F687-4f45-9708-019B960494DF}">
-                  <a14:hiddenLine xmlns:a14="http://schemas.microsoft.com/office/drawing/2010/main" xmlns="" w="9525">
+                  <a14:hiddenLine xmlns="" xmlns:a14="http://schemas.microsoft.com/office/drawing/2010/main" w="9525">
                     <a:solidFill>
                       <a:srgbClr val="000000"/>
                     </a:solidFill>
@@ -10505,7 +10519,7 @@
               </a:ln>
               <a:extLst>
                 <a:ext uri="{91240B29-F687-4f45-9708-019B960494DF}">
-                  <a14:hiddenLine xmlns:a14="http://schemas.microsoft.com/office/drawing/2010/main" xmlns="" w="9525">
+                  <a14:hiddenLine xmlns="" xmlns:a14="http://schemas.microsoft.com/office/drawing/2010/main" w="9525">
                     <a:solidFill>
                       <a:srgbClr val="000000"/>
                     </a:solidFill>
@@ -10570,7 +10584,7 @@
               </a:ln>
               <a:extLst>
                 <a:ext uri="{91240B29-F687-4f45-9708-019B960494DF}">
-                  <a14:hiddenLine xmlns:a14="http://schemas.microsoft.com/office/drawing/2010/main" xmlns="" w="9525">
+                  <a14:hiddenLine xmlns="" xmlns:a14="http://schemas.microsoft.com/office/drawing/2010/main" w="9525">
                     <a:solidFill>
                       <a:srgbClr val="000000"/>
                     </a:solidFill>
@@ -10632,7 +10646,7 @@
               </a:ln>
               <a:extLst>
                 <a:ext uri="{91240B29-F687-4f45-9708-019B960494DF}">
-                  <a14:hiddenLine xmlns:a14="http://schemas.microsoft.com/office/drawing/2010/main" xmlns="" w="9525">
+                  <a14:hiddenLine xmlns="" xmlns:a14="http://schemas.microsoft.com/office/drawing/2010/main" w="9525">
                     <a:solidFill>
                       <a:srgbClr val="000000"/>
                     </a:solidFill>
@@ -10722,7 +10736,7 @@
               </a:ln>
               <a:extLst>
                 <a:ext uri="{91240B29-F687-4f45-9708-019B960494DF}">
-                  <a14:hiddenLine xmlns:a14="http://schemas.microsoft.com/office/drawing/2010/main" xmlns="" w="9525">
+                  <a14:hiddenLine xmlns="" xmlns:a14="http://schemas.microsoft.com/office/drawing/2010/main" w="9525">
                     <a:solidFill>
                       <a:srgbClr val="000000"/>
                     </a:solidFill>
@@ -10812,7 +10826,7 @@
               </a:ln>
               <a:extLst>
                 <a:ext uri="{91240B29-F687-4f45-9708-019B960494DF}">
-                  <a14:hiddenLine xmlns:a14="http://schemas.microsoft.com/office/drawing/2010/main" xmlns="" w="9525">
+                  <a14:hiddenLine xmlns="" xmlns:a14="http://schemas.microsoft.com/office/drawing/2010/main" w="9525">
                     <a:solidFill>
                       <a:srgbClr val="000000"/>
                     </a:solidFill>
@@ -10877,7 +10891,7 @@
               </a:ln>
               <a:extLst>
                 <a:ext uri="{91240B29-F687-4f45-9708-019B960494DF}">
-                  <a14:hiddenLine xmlns:a14="http://schemas.microsoft.com/office/drawing/2010/main" xmlns="" w="9525">
+                  <a14:hiddenLine xmlns="" xmlns:a14="http://schemas.microsoft.com/office/drawing/2010/main" w="9525">
                     <a:solidFill>
                       <a:srgbClr val="000000"/>
                     </a:solidFill>
@@ -10997,7 +11011,7 @@
               </a:ln>
               <a:extLst>
                 <a:ext uri="{91240B29-F687-4f45-9708-019B960494DF}">
-                  <a14:hiddenLine xmlns:a14="http://schemas.microsoft.com/office/drawing/2010/main" xmlns="" w="9525">
+                  <a14:hiddenLine xmlns="" xmlns:a14="http://schemas.microsoft.com/office/drawing/2010/main" w="9525">
                     <a:solidFill>
                       <a:srgbClr val="000000"/>
                     </a:solidFill>
@@ -11078,7 +11092,7 @@
               </a:ln>
               <a:extLst>
                 <a:ext uri="{91240B29-F687-4f45-9708-019B960494DF}">
-                  <a14:hiddenLine xmlns:a14="http://schemas.microsoft.com/office/drawing/2010/main" xmlns="" w="9525">
+                  <a14:hiddenLine xmlns="" xmlns:a14="http://schemas.microsoft.com/office/drawing/2010/main" w="9525">
                     <a:solidFill>
                       <a:srgbClr val="000000"/>
                     </a:solidFill>
@@ -11193,7 +11207,7 @@
               </a:ln>
               <a:extLst>
                 <a:ext uri="{91240B29-F687-4f45-9708-019B960494DF}">
-                  <a14:hiddenLine xmlns:a14="http://schemas.microsoft.com/office/drawing/2010/main" xmlns="" w="9525">
+                  <a14:hiddenLine xmlns="" xmlns:a14="http://schemas.microsoft.com/office/drawing/2010/main" w="9525">
                     <a:solidFill>
                       <a:srgbClr val="000000"/>
                     </a:solidFill>
@@ -11283,7 +11297,7 @@
               </a:ln>
               <a:extLst>
                 <a:ext uri="{91240B29-F687-4f45-9708-019B960494DF}">
-                  <a14:hiddenLine xmlns:a14="http://schemas.microsoft.com/office/drawing/2010/main" xmlns="" w="9525">
+                  <a14:hiddenLine xmlns="" xmlns:a14="http://schemas.microsoft.com/office/drawing/2010/main" w="9525">
                     <a:solidFill>
                       <a:srgbClr val="000000"/>
                     </a:solidFill>
@@ -11348,7 +11362,7 @@
               </a:ln>
               <a:extLst>
                 <a:ext uri="{91240B29-F687-4f45-9708-019B960494DF}">
-                  <a14:hiddenLine xmlns:a14="http://schemas.microsoft.com/office/drawing/2010/main" xmlns="" w="9525">
+                  <a14:hiddenLine xmlns="" xmlns:a14="http://schemas.microsoft.com/office/drawing/2010/main" w="9525">
                     <a:solidFill>
                       <a:srgbClr val="000000"/>
                     </a:solidFill>
@@ -11438,7 +11452,7 @@
               </a:ln>
               <a:extLst>
                 <a:ext uri="{91240B29-F687-4f45-9708-019B960494DF}">
-                  <a14:hiddenLine xmlns:a14="http://schemas.microsoft.com/office/drawing/2010/main" xmlns="" w="9525">
+                  <a14:hiddenLine xmlns="" xmlns:a14="http://schemas.microsoft.com/office/drawing/2010/main" w="9525">
                     <a:solidFill>
                       <a:srgbClr val="000000"/>
                     </a:solidFill>
@@ -11506,7 +11520,7 @@
               </a:ln>
               <a:extLst>
                 <a:ext uri="{91240B29-F687-4f45-9708-019B960494DF}">
-                  <a14:hiddenLine xmlns:a14="http://schemas.microsoft.com/office/drawing/2010/main" xmlns="" w="9525">
+                  <a14:hiddenLine xmlns="" xmlns:a14="http://schemas.microsoft.com/office/drawing/2010/main" w="9525">
                     <a:solidFill>
                       <a:srgbClr val="000000"/>
                     </a:solidFill>
@@ -11596,7 +11610,7 @@
               </a:ln>
               <a:extLst>
                 <a:ext uri="{91240B29-F687-4f45-9708-019B960494DF}">
-                  <a14:hiddenLine xmlns:a14="http://schemas.microsoft.com/office/drawing/2010/main" xmlns="" w="9525">
+                  <a14:hiddenLine xmlns="" xmlns:a14="http://schemas.microsoft.com/office/drawing/2010/main" w="9525">
                     <a:solidFill>
                       <a:srgbClr val="000000"/>
                     </a:solidFill>
@@ -11664,7 +11678,7 @@
               </a:ln>
               <a:extLst>
                 <a:ext uri="{91240B29-F687-4f45-9708-019B960494DF}">
-                  <a14:hiddenLine xmlns:a14="http://schemas.microsoft.com/office/drawing/2010/main" xmlns="" w="9525">
+                  <a14:hiddenLine xmlns="" xmlns:a14="http://schemas.microsoft.com/office/drawing/2010/main" w="9525">
                     <a:solidFill>
                       <a:srgbClr val="000000"/>
                     </a:solidFill>
@@ -11754,7 +11768,7 @@
               </a:ln>
               <a:extLst>
                 <a:ext uri="{91240B29-F687-4f45-9708-019B960494DF}">
-                  <a14:hiddenLine xmlns:a14="http://schemas.microsoft.com/office/drawing/2010/main" xmlns="" w="9525">
+                  <a14:hiddenLine xmlns="" xmlns:a14="http://schemas.microsoft.com/office/drawing/2010/main" w="9525">
                     <a:solidFill>
                       <a:srgbClr val="000000"/>
                     </a:solidFill>
@@ -11788,7 +11802,7 @@
               </a:ln>
               <a:extLst>
                 <a:ext uri="{91240B29-F687-4f45-9708-019B960494DF}">
-                  <a14:hiddenLine xmlns:a14="http://schemas.microsoft.com/office/drawing/2010/main" xmlns="" w="9525">
+                  <a14:hiddenLine xmlns="" xmlns:a14="http://schemas.microsoft.com/office/drawing/2010/main" w="9525">
                     <a:solidFill>
                       <a:srgbClr val="000000"/>
                     </a:solidFill>
@@ -11929,7 +11943,7 @@
             <a:fld id="{48A87A34-81AB-432B-8DAE-1953F412C126}" type="datetimeFigureOut">
               <a:rPr lang="en-US" dirty="0"/>
               <a:pPr/>
-              <a:t>4/29/2020</a:t>
+              <a:t>5/3/2020</a:t>
             </a:fld>
             <a:endParaRPr lang="en-US" dirty="0"/>
           </a:p>
@@ -12430,6 +12444,1351 @@
 </p:sld>
 </file>
 
+<file path=ppt/slides/slide10.xml><?xml version="1.0" encoding="utf-8"?>
+<p:sld xmlns:a="http://schemas.openxmlformats.org/drawingml/2006/main" xmlns:r="http://schemas.openxmlformats.org/officeDocument/2006/relationships" xmlns:p="http://schemas.openxmlformats.org/presentationml/2006/main">
+  <p:cSld>
+    <p:bg>
+      <p:bgPr>
+        <a:blipFill>
+          <a:blip r:embed="rId2">
+            <a:duotone>
+              <a:schemeClr val="bg2">
+                <a:shade val="48000"/>
+                <a:hueMod val="106000"/>
+                <a:satMod val="140000"/>
+                <a:lumMod val="42000"/>
+              </a:schemeClr>
+              <a:schemeClr val="bg2">
+                <a:tint val="98000"/>
+                <a:hueMod val="92000"/>
+                <a:satMod val="220000"/>
+                <a:lumMod val="90000"/>
+              </a:schemeClr>
+            </a:duotone>
+          </a:blip>
+          <a:stretch/>
+        </a:blipFill>
+        <a:effectLst/>
+      </p:bgPr>
+    </p:bg>
+    <p:spTree>
+      <p:nvGrpSpPr>
+        <p:cNvPr id="1" name=""/>
+        <p:cNvGrpSpPr/>
+        <p:nvPr/>
+      </p:nvGrpSpPr>
+      <p:grpSpPr>
+        <a:xfrm>
+          <a:off x="0" y="0"/>
+          <a:ext cx="0" cy="0"/>
+          <a:chOff x="0" y="0"/>
+          <a:chExt cx="0" cy="0"/>
+        </a:xfrm>
+      </p:grpSpPr>
+      <p:sp>
+        <p:nvSpPr>
+          <p:cNvPr id="71" name="Round Diagonal Corner Rectangle 11">
+            <a:extLst>
+              <a:ext uri="{FF2B5EF4-FFF2-40B4-BE49-F238E27FC236}">
+                <a16:creationId xmlns:a16="http://schemas.microsoft.com/office/drawing/2014/main" id="{E4B7B3E3-827A-48BE-AD67-A57C45AA6949}"/>
+              </a:ext>
+              <a:ext uri="{C183D7F6-B498-43B3-948B-1728B52AA6E4}">
+                <adec:decorative xmlns:adec="http://schemas.microsoft.com/office/drawing/2017/decorative" val="1"/>
+              </a:ext>
+            </a:extLst>
+          </p:cNvPr>
+          <p:cNvSpPr>
+            <a:spLocks noGrp="1" noRot="1" noChangeAspect="1" noMove="1" noResize="1" noEditPoints="1" noAdjustHandles="1" noChangeArrowheads="1" noChangeShapeType="1" noTextEdit="1"/>
+          </p:cNvSpPr>
+          <p:nvPr>
+            <p:extLst>
+              <p:ext uri="{386F3935-93C4-4BCD-93E2-E3B085C9AB24}">
+                <p16:designElem xmlns:p16="http://schemas.microsoft.com/office/powerpoint/2015/main" val="1"/>
+              </p:ext>
+            </p:extLst>
+          </p:nvPr>
+        </p:nvSpPr>
+        <p:spPr>
+          <a:xfrm>
+            <a:off x="798949" y="808057"/>
+            <a:ext cx="6752461" cy="5234394"/>
+          </a:xfrm>
+          <a:prstGeom prst="round2DiagRect">
+            <a:avLst>
+              <a:gd name="adj1" fmla="val 7418"/>
+              <a:gd name="adj2" fmla="val 0"/>
+            </a:avLst>
+          </a:prstGeom>
+          <a:solidFill>
+            <a:srgbClr val="FFFFFF"/>
+          </a:solidFill>
+          <a:ln w="19050" cap="sq">
+            <a:solidFill>
+              <a:schemeClr val="tx2">
+                <a:lumMod val="60000"/>
+                <a:lumOff val="40000"/>
+                <a:alpha val="60000"/>
+              </a:schemeClr>
+            </a:solidFill>
+            <a:miter lim="800000"/>
+          </a:ln>
+          <a:effectLst>
+            <a:outerShdw blurRad="88900" dist="38100" dir="5400000" algn="t" rotWithShape="0">
+              <a:prstClr val="black">
+                <a:alpha val="40000"/>
+              </a:prstClr>
+            </a:outerShdw>
+          </a:effectLst>
+        </p:spPr>
+        <p:style>
+          <a:lnRef idx="2">
+            <a:schemeClr val="accent1">
+              <a:shade val="50000"/>
+            </a:schemeClr>
+          </a:lnRef>
+          <a:fillRef idx="1">
+            <a:schemeClr val="accent1"/>
+          </a:fillRef>
+          <a:effectRef idx="0">
+            <a:schemeClr val="accent1"/>
+          </a:effectRef>
+          <a:fontRef idx="minor">
+            <a:schemeClr val="lt1"/>
+          </a:fontRef>
+        </p:style>
+        <p:txBody>
+          <a:bodyPr rtlCol="0" anchor="ctr"/>
+          <a:lstStyle/>
+          <a:p>
+            <a:pPr algn="ctr"/>
+            <a:endParaRPr lang="en-US"/>
+          </a:p>
+        </p:txBody>
+      </p:sp>
+      <p:pic>
+        <p:nvPicPr>
+          <p:cNvPr id="4098" name="Picture 2">
+            <a:extLst>
+              <a:ext uri="{FF2B5EF4-FFF2-40B4-BE49-F238E27FC236}">
+                <a16:creationId xmlns:a16="http://schemas.microsoft.com/office/drawing/2014/main" id="{F94FADF6-C3B1-435D-A81F-E5BBD074BAD7}"/>
+              </a:ext>
+            </a:extLst>
+          </p:cNvPr>
+          <p:cNvPicPr>
+            <a:picLocks noChangeAspect="1" noChangeArrowheads="1"/>
+          </p:cNvPicPr>
+          <p:nvPr/>
+        </p:nvPicPr>
+        <p:blipFill>
+          <a:blip r:embed="rId3">
+            <a:extLst>
+              <a:ext uri="{28A0092B-C50C-407E-A947-70E740481C1C}">
+                <a14:useLocalDpi xmlns:a14="http://schemas.microsoft.com/office/drawing/2010/main" val="0"/>
+              </a:ext>
+            </a:extLst>
+          </a:blip>
+          <a:stretch>
+            <a:fillRect/>
+          </a:stretch>
+        </p:blipFill>
+        <p:spPr bwMode="auto">
+          <a:xfrm>
+            <a:off x="1118988" y="2272557"/>
+            <a:ext cx="6112382" cy="2307424"/>
+          </a:xfrm>
+          <a:prstGeom prst="rect">
+            <a:avLst/>
+          </a:prstGeom>
+          <a:noFill/>
+          <a:extLst>
+            <a:ext uri="{909E8E84-426E-40DD-AFC4-6F175D3DCCD1}">
+              <a14:hiddenFill xmlns:a14="http://schemas.microsoft.com/office/drawing/2010/main">
+                <a:solidFill>
+                  <a:srgbClr val="FFFFFF"/>
+                </a:solidFill>
+              </a14:hiddenFill>
+            </a:ext>
+          </a:extLst>
+        </p:spPr>
+      </p:pic>
+      <p:sp>
+        <p:nvSpPr>
+          <p:cNvPr id="3" name="Content Placeholder 2">
+            <a:extLst>
+              <a:ext uri="{FF2B5EF4-FFF2-40B4-BE49-F238E27FC236}">
+                <a16:creationId xmlns:a16="http://schemas.microsoft.com/office/drawing/2014/main" id="{0855B423-9935-46E0-9EAD-4E62E4A1CD88}"/>
+              </a:ext>
+            </a:extLst>
+          </p:cNvPr>
+          <p:cNvSpPr>
+            <a:spLocks noGrp="1"/>
+          </p:cNvSpPr>
+          <p:nvPr>
+            <p:ph idx="1"/>
+          </p:nvPr>
+        </p:nvSpPr>
+        <p:spPr>
+          <a:xfrm>
+            <a:off x="7995401" y="2809124"/>
+            <a:ext cx="3281004" cy="3541714"/>
+          </a:xfrm>
+        </p:spPr>
+        <p:txBody>
+          <a:bodyPr>
+            <a:normAutofit/>
+          </a:bodyPr>
+          <a:lstStyle/>
+          <a:p>
+            <a:pPr marL="0" indent="0">
+              <a:buNone/>
+            </a:pPr>
+            <a:r>
+              <a:rPr lang="en-US" sz="4000" dirty="0"/>
+              <a:t>Assignment List </a:t>
+            </a:r>
+          </a:p>
+        </p:txBody>
+      </p:sp>
+    </p:spTree>
+    <p:extLst>
+      <p:ext uri="{BB962C8B-B14F-4D97-AF65-F5344CB8AC3E}">
+        <p14:creationId xmlns:p14="http://schemas.microsoft.com/office/powerpoint/2010/main" val="2174468151"/>
+      </p:ext>
+    </p:extLst>
+  </p:cSld>
+  <p:clrMapOvr>
+    <a:masterClrMapping/>
+  </p:clrMapOvr>
+</p:sld>
+</file>
+
+<file path=ppt/slides/slide11.xml><?xml version="1.0" encoding="utf-8"?>
+<p:sld xmlns:a="http://schemas.openxmlformats.org/drawingml/2006/main" xmlns:r="http://schemas.openxmlformats.org/officeDocument/2006/relationships" xmlns:p="http://schemas.openxmlformats.org/presentationml/2006/main">
+  <p:cSld>
+    <p:bg>
+      <p:bgPr>
+        <a:blipFill>
+          <a:blip r:embed="rId2">
+            <a:duotone>
+              <a:schemeClr val="bg2">
+                <a:shade val="48000"/>
+                <a:hueMod val="106000"/>
+                <a:satMod val="140000"/>
+                <a:lumMod val="42000"/>
+              </a:schemeClr>
+              <a:schemeClr val="bg2">
+                <a:tint val="98000"/>
+                <a:hueMod val="92000"/>
+                <a:satMod val="220000"/>
+                <a:lumMod val="90000"/>
+              </a:schemeClr>
+            </a:duotone>
+          </a:blip>
+          <a:stretch/>
+        </a:blipFill>
+        <a:effectLst/>
+      </p:bgPr>
+    </p:bg>
+    <p:spTree>
+      <p:nvGrpSpPr>
+        <p:cNvPr id="1" name=""/>
+        <p:cNvGrpSpPr/>
+        <p:nvPr/>
+      </p:nvGrpSpPr>
+      <p:grpSpPr>
+        <a:xfrm>
+          <a:off x="0" y="0"/>
+          <a:ext cx="0" cy="0"/>
+          <a:chOff x="0" y="0"/>
+          <a:chExt cx="0" cy="0"/>
+        </a:xfrm>
+      </p:grpSpPr>
+      <p:sp>
+        <p:nvSpPr>
+          <p:cNvPr id="71" name="Round Diagonal Corner Rectangle 11">
+            <a:extLst>
+              <a:ext uri="{FF2B5EF4-FFF2-40B4-BE49-F238E27FC236}">
+                <a16:creationId xmlns:a16="http://schemas.microsoft.com/office/drawing/2014/main" id="{E4B7B3E3-827A-48BE-AD67-A57C45AA6949}"/>
+              </a:ext>
+              <a:ext uri="{C183D7F6-B498-43B3-948B-1728B52AA6E4}">
+                <adec:decorative xmlns:adec="http://schemas.microsoft.com/office/drawing/2017/decorative" val="1"/>
+              </a:ext>
+            </a:extLst>
+          </p:cNvPr>
+          <p:cNvSpPr>
+            <a:spLocks noGrp="1" noRot="1" noChangeAspect="1" noMove="1" noResize="1" noEditPoints="1" noAdjustHandles="1" noChangeArrowheads="1" noChangeShapeType="1" noTextEdit="1"/>
+          </p:cNvSpPr>
+          <p:nvPr>
+            <p:extLst>
+              <p:ext uri="{386F3935-93C4-4BCD-93E2-E3B085C9AB24}">
+                <p16:designElem xmlns:p16="http://schemas.microsoft.com/office/powerpoint/2015/main" val="1"/>
+              </p:ext>
+            </p:extLst>
+          </p:nvPr>
+        </p:nvSpPr>
+        <p:spPr>
+          <a:xfrm>
+            <a:off x="798949" y="808057"/>
+            <a:ext cx="6752461" cy="5234394"/>
+          </a:xfrm>
+          <a:prstGeom prst="round2DiagRect">
+            <a:avLst>
+              <a:gd name="adj1" fmla="val 7418"/>
+              <a:gd name="adj2" fmla="val 0"/>
+            </a:avLst>
+          </a:prstGeom>
+          <a:solidFill>
+            <a:srgbClr val="FFFFFF"/>
+          </a:solidFill>
+          <a:ln w="19050" cap="sq">
+            <a:solidFill>
+              <a:schemeClr val="tx2">
+                <a:lumMod val="60000"/>
+                <a:lumOff val="40000"/>
+                <a:alpha val="60000"/>
+              </a:schemeClr>
+            </a:solidFill>
+            <a:miter lim="800000"/>
+          </a:ln>
+          <a:effectLst>
+            <a:outerShdw blurRad="88900" dist="38100" dir="5400000" algn="t" rotWithShape="0">
+              <a:prstClr val="black">
+                <a:alpha val="40000"/>
+              </a:prstClr>
+            </a:outerShdw>
+          </a:effectLst>
+        </p:spPr>
+        <p:style>
+          <a:lnRef idx="2">
+            <a:schemeClr val="accent1">
+              <a:shade val="50000"/>
+            </a:schemeClr>
+          </a:lnRef>
+          <a:fillRef idx="1">
+            <a:schemeClr val="accent1"/>
+          </a:fillRef>
+          <a:effectRef idx="0">
+            <a:schemeClr val="accent1"/>
+          </a:effectRef>
+          <a:fontRef idx="minor">
+            <a:schemeClr val="lt1"/>
+          </a:fontRef>
+        </p:style>
+        <p:txBody>
+          <a:bodyPr rtlCol="0" anchor="ctr"/>
+          <a:lstStyle/>
+          <a:p>
+            <a:pPr algn="ctr"/>
+            <a:endParaRPr lang="en-US"/>
+          </a:p>
+        </p:txBody>
+      </p:sp>
+      <p:pic>
+        <p:nvPicPr>
+          <p:cNvPr id="5122" name="Picture 2">
+            <a:extLst>
+              <a:ext uri="{FF2B5EF4-FFF2-40B4-BE49-F238E27FC236}">
+                <a16:creationId xmlns:a16="http://schemas.microsoft.com/office/drawing/2014/main" id="{85B95E0C-6B45-48E4-B258-AEDCF8742BFE}"/>
+              </a:ext>
+            </a:extLst>
+          </p:cNvPr>
+          <p:cNvPicPr>
+            <a:picLocks noChangeAspect="1" noChangeArrowheads="1"/>
+          </p:cNvPicPr>
+          <p:nvPr/>
+        </p:nvPicPr>
+        <p:blipFill>
+          <a:blip r:embed="rId3">
+            <a:extLst>
+              <a:ext uri="{28A0092B-C50C-407E-A947-70E740481C1C}">
+                <a14:useLocalDpi xmlns:a14="http://schemas.microsoft.com/office/drawing/2010/main" val="0"/>
+              </a:ext>
+            </a:extLst>
+          </a:blip>
+          <a:stretch>
+            <a:fillRect/>
+          </a:stretch>
+        </p:blipFill>
+        <p:spPr bwMode="auto">
+          <a:xfrm>
+            <a:off x="1118988" y="2463569"/>
+            <a:ext cx="6112382" cy="1925401"/>
+          </a:xfrm>
+          <a:prstGeom prst="rect">
+            <a:avLst/>
+          </a:prstGeom>
+          <a:noFill/>
+          <a:extLst>
+            <a:ext uri="{909E8E84-426E-40DD-AFC4-6F175D3DCCD1}">
+              <a14:hiddenFill xmlns:a14="http://schemas.microsoft.com/office/drawing/2010/main">
+                <a:solidFill>
+                  <a:srgbClr val="FFFFFF"/>
+                </a:solidFill>
+              </a14:hiddenFill>
+            </a:ext>
+          </a:extLst>
+        </p:spPr>
+      </p:pic>
+      <p:sp>
+        <p:nvSpPr>
+          <p:cNvPr id="3" name="Content Placeholder 2">
+            <a:extLst>
+              <a:ext uri="{FF2B5EF4-FFF2-40B4-BE49-F238E27FC236}">
+                <a16:creationId xmlns:a16="http://schemas.microsoft.com/office/drawing/2014/main" id="{190B37FE-86C9-4EEE-8FAC-8FE06DB63304}"/>
+              </a:ext>
+            </a:extLst>
+          </p:cNvPr>
+          <p:cNvSpPr>
+            <a:spLocks noGrp="1"/>
+          </p:cNvSpPr>
+          <p:nvPr>
+            <p:ph idx="1"/>
+          </p:nvPr>
+        </p:nvSpPr>
+        <p:spPr>
+          <a:xfrm>
+            <a:off x="8036041" y="2249487"/>
+            <a:ext cx="3281004" cy="3541714"/>
+          </a:xfrm>
+        </p:spPr>
+        <p:txBody>
+          <a:bodyPr>
+            <a:normAutofit/>
+          </a:bodyPr>
+          <a:lstStyle/>
+          <a:p>
+            <a:pPr marL="0" indent="0">
+              <a:buNone/>
+            </a:pPr>
+            <a:r>
+              <a:rPr lang="en-US" sz="4800" dirty="0"/>
+              <a:t>Inside an Assignment </a:t>
+            </a:r>
+          </a:p>
+        </p:txBody>
+      </p:sp>
+    </p:spTree>
+    <p:extLst>
+      <p:ext uri="{BB962C8B-B14F-4D97-AF65-F5344CB8AC3E}">
+        <p14:creationId xmlns:p14="http://schemas.microsoft.com/office/powerpoint/2010/main" val="1648200111"/>
+      </p:ext>
+    </p:extLst>
+  </p:cSld>
+  <p:clrMapOvr>
+    <a:masterClrMapping/>
+  </p:clrMapOvr>
+</p:sld>
+</file>
+
+<file path=ppt/slides/slide12.xml><?xml version="1.0" encoding="utf-8"?>
+<p:sld xmlns:a="http://schemas.openxmlformats.org/drawingml/2006/main" xmlns:r="http://schemas.openxmlformats.org/officeDocument/2006/relationships" xmlns:p="http://schemas.openxmlformats.org/presentationml/2006/main">
+  <p:cSld>
+    <p:bg>
+      <p:bgPr>
+        <a:blipFill>
+          <a:blip r:embed="rId2">
+            <a:duotone>
+              <a:schemeClr val="bg2">
+                <a:shade val="48000"/>
+                <a:hueMod val="106000"/>
+                <a:satMod val="140000"/>
+                <a:lumMod val="42000"/>
+              </a:schemeClr>
+              <a:schemeClr val="bg2">
+                <a:tint val="98000"/>
+                <a:hueMod val="92000"/>
+                <a:satMod val="220000"/>
+                <a:lumMod val="90000"/>
+              </a:schemeClr>
+            </a:duotone>
+          </a:blip>
+          <a:stretch/>
+        </a:blipFill>
+        <a:effectLst/>
+      </p:bgPr>
+    </p:bg>
+    <p:spTree>
+      <p:nvGrpSpPr>
+        <p:cNvPr id="1" name=""/>
+        <p:cNvGrpSpPr/>
+        <p:nvPr/>
+      </p:nvGrpSpPr>
+      <p:grpSpPr>
+        <a:xfrm>
+          <a:off x="0" y="0"/>
+          <a:ext cx="0" cy="0"/>
+          <a:chOff x="0" y="0"/>
+          <a:chExt cx="0" cy="0"/>
+        </a:xfrm>
+      </p:grpSpPr>
+      <p:sp>
+        <p:nvSpPr>
+          <p:cNvPr id="71" name="Round Diagonal Corner Rectangle 11">
+            <a:extLst>
+              <a:ext uri="{FF2B5EF4-FFF2-40B4-BE49-F238E27FC236}">
+                <a16:creationId xmlns:a16="http://schemas.microsoft.com/office/drawing/2014/main" id="{E4B7B3E3-827A-48BE-AD67-A57C45AA6949}"/>
+              </a:ext>
+              <a:ext uri="{C183D7F6-B498-43B3-948B-1728B52AA6E4}">
+                <adec:decorative xmlns:adec="http://schemas.microsoft.com/office/drawing/2017/decorative" val="1"/>
+              </a:ext>
+            </a:extLst>
+          </p:cNvPr>
+          <p:cNvSpPr>
+            <a:spLocks noGrp="1" noRot="1" noChangeAspect="1" noMove="1" noResize="1" noEditPoints="1" noAdjustHandles="1" noChangeArrowheads="1" noChangeShapeType="1" noTextEdit="1"/>
+          </p:cNvSpPr>
+          <p:nvPr>
+            <p:extLst>
+              <p:ext uri="{386F3935-93C4-4BCD-93E2-E3B085C9AB24}">
+                <p16:designElem xmlns:p16="http://schemas.microsoft.com/office/powerpoint/2015/main" val="1"/>
+              </p:ext>
+            </p:extLst>
+          </p:nvPr>
+        </p:nvSpPr>
+        <p:spPr>
+          <a:xfrm>
+            <a:off x="798949" y="808057"/>
+            <a:ext cx="6752461" cy="5234394"/>
+          </a:xfrm>
+          <a:prstGeom prst="round2DiagRect">
+            <a:avLst>
+              <a:gd name="adj1" fmla="val 7418"/>
+              <a:gd name="adj2" fmla="val 0"/>
+            </a:avLst>
+          </a:prstGeom>
+          <a:solidFill>
+            <a:srgbClr val="FFFFFF"/>
+          </a:solidFill>
+          <a:ln w="19050" cap="sq">
+            <a:solidFill>
+              <a:schemeClr val="tx2">
+                <a:lumMod val="60000"/>
+                <a:lumOff val="40000"/>
+                <a:alpha val="60000"/>
+              </a:schemeClr>
+            </a:solidFill>
+            <a:miter lim="800000"/>
+          </a:ln>
+          <a:effectLst>
+            <a:outerShdw blurRad="88900" dist="38100" dir="5400000" algn="t" rotWithShape="0">
+              <a:prstClr val="black">
+                <a:alpha val="40000"/>
+              </a:prstClr>
+            </a:outerShdw>
+          </a:effectLst>
+        </p:spPr>
+        <p:style>
+          <a:lnRef idx="2">
+            <a:schemeClr val="accent1">
+              <a:shade val="50000"/>
+            </a:schemeClr>
+          </a:lnRef>
+          <a:fillRef idx="1">
+            <a:schemeClr val="accent1"/>
+          </a:fillRef>
+          <a:effectRef idx="0">
+            <a:schemeClr val="accent1"/>
+          </a:effectRef>
+          <a:fontRef idx="minor">
+            <a:schemeClr val="lt1"/>
+          </a:fontRef>
+        </p:style>
+        <p:txBody>
+          <a:bodyPr rtlCol="0" anchor="ctr"/>
+          <a:lstStyle/>
+          <a:p>
+            <a:pPr algn="ctr"/>
+            <a:endParaRPr lang="en-US"/>
+          </a:p>
+        </p:txBody>
+      </p:sp>
+      <p:pic>
+        <p:nvPicPr>
+          <p:cNvPr id="6146" name="Picture 2">
+            <a:extLst>
+              <a:ext uri="{FF2B5EF4-FFF2-40B4-BE49-F238E27FC236}">
+                <a16:creationId xmlns:a16="http://schemas.microsoft.com/office/drawing/2014/main" id="{51B62AE2-D0FF-4B4E-A6F4-8A991C4813B2}"/>
+              </a:ext>
+            </a:extLst>
+          </p:cNvPr>
+          <p:cNvPicPr>
+            <a:picLocks noChangeAspect="1" noChangeArrowheads="1"/>
+          </p:cNvPicPr>
+          <p:nvPr/>
+        </p:nvPicPr>
+        <p:blipFill>
+          <a:blip r:embed="rId3">
+            <a:extLst>
+              <a:ext uri="{28A0092B-C50C-407E-A947-70E740481C1C}">
+                <a14:useLocalDpi xmlns:a14="http://schemas.microsoft.com/office/drawing/2010/main" val="0"/>
+              </a:ext>
+            </a:extLst>
+          </a:blip>
+          <a:stretch>
+            <a:fillRect/>
+          </a:stretch>
+        </p:blipFill>
+        <p:spPr bwMode="auto">
+          <a:xfrm>
+            <a:off x="1118988" y="2402446"/>
+            <a:ext cx="6112382" cy="2047647"/>
+          </a:xfrm>
+          <a:prstGeom prst="rect">
+            <a:avLst/>
+          </a:prstGeom>
+          <a:noFill/>
+          <a:extLst>
+            <a:ext uri="{909E8E84-426E-40DD-AFC4-6F175D3DCCD1}">
+              <a14:hiddenFill xmlns:a14="http://schemas.microsoft.com/office/drawing/2010/main">
+                <a:solidFill>
+                  <a:srgbClr val="FFFFFF"/>
+                </a:solidFill>
+              </a14:hiddenFill>
+            </a:ext>
+          </a:extLst>
+        </p:spPr>
+      </p:pic>
+      <p:sp>
+        <p:nvSpPr>
+          <p:cNvPr id="3" name="Content Placeholder 2">
+            <a:extLst>
+              <a:ext uri="{FF2B5EF4-FFF2-40B4-BE49-F238E27FC236}">
+                <a16:creationId xmlns:a16="http://schemas.microsoft.com/office/drawing/2014/main" id="{334E79E4-D452-4F76-AE72-6B9A25E1E503}"/>
+              </a:ext>
+            </a:extLst>
+          </p:cNvPr>
+          <p:cNvSpPr>
+            <a:spLocks noGrp="1"/>
+          </p:cNvSpPr>
+          <p:nvPr>
+            <p:ph idx="1"/>
+          </p:nvPr>
+        </p:nvSpPr>
+        <p:spPr>
+          <a:xfrm>
+            <a:off x="8036041" y="2249487"/>
+            <a:ext cx="3281004" cy="3541714"/>
+          </a:xfrm>
+        </p:spPr>
+        <p:txBody>
+          <a:bodyPr>
+            <a:normAutofit/>
+          </a:bodyPr>
+          <a:lstStyle/>
+          <a:p>
+            <a:pPr marL="0" indent="0">
+              <a:buNone/>
+            </a:pPr>
+            <a:r>
+              <a:rPr lang="en-US" sz="3600" dirty="0"/>
+              <a:t>New assignment and enter scores</a:t>
+            </a:r>
+          </a:p>
+        </p:txBody>
+      </p:sp>
+    </p:spTree>
+    <p:extLst>
+      <p:ext uri="{BB962C8B-B14F-4D97-AF65-F5344CB8AC3E}">
+        <p14:creationId xmlns:p14="http://schemas.microsoft.com/office/powerpoint/2010/main" val="3765275268"/>
+      </p:ext>
+    </p:extLst>
+  </p:cSld>
+  <p:clrMapOvr>
+    <a:masterClrMapping/>
+  </p:clrMapOvr>
+</p:sld>
+</file>
+
+<file path=ppt/slides/slide13.xml><?xml version="1.0" encoding="utf-8"?>
+<p:sld xmlns:a="http://schemas.openxmlformats.org/drawingml/2006/main" xmlns:r="http://schemas.openxmlformats.org/officeDocument/2006/relationships" xmlns:p="http://schemas.openxmlformats.org/presentationml/2006/main">
+  <p:cSld>
+    <p:bg>
+      <p:bgPr>
+        <a:blipFill>
+          <a:blip r:embed="rId2">
+            <a:duotone>
+              <a:schemeClr val="bg2">
+                <a:shade val="48000"/>
+                <a:hueMod val="106000"/>
+                <a:satMod val="140000"/>
+                <a:lumMod val="42000"/>
+              </a:schemeClr>
+              <a:schemeClr val="bg2">
+                <a:tint val="98000"/>
+                <a:hueMod val="92000"/>
+                <a:satMod val="220000"/>
+                <a:lumMod val="90000"/>
+              </a:schemeClr>
+            </a:duotone>
+          </a:blip>
+          <a:stretch/>
+        </a:blipFill>
+        <a:effectLst/>
+      </p:bgPr>
+    </p:bg>
+    <p:spTree>
+      <p:nvGrpSpPr>
+        <p:cNvPr id="1" name=""/>
+        <p:cNvGrpSpPr/>
+        <p:nvPr/>
+      </p:nvGrpSpPr>
+      <p:grpSpPr>
+        <a:xfrm>
+          <a:off x="0" y="0"/>
+          <a:ext cx="0" cy="0"/>
+          <a:chOff x="0" y="0"/>
+          <a:chExt cx="0" cy="0"/>
+        </a:xfrm>
+      </p:grpSpPr>
+      <p:sp>
+        <p:nvSpPr>
+          <p:cNvPr id="7172" name="Round Diagonal Corner Rectangle 11">
+            <a:extLst>
+              <a:ext uri="{FF2B5EF4-FFF2-40B4-BE49-F238E27FC236}">
+                <a16:creationId xmlns:a16="http://schemas.microsoft.com/office/drawing/2014/main" id="{E4B7B3E3-827A-48BE-AD67-A57C45AA6949}"/>
+              </a:ext>
+              <a:ext uri="{C183D7F6-B498-43B3-948B-1728B52AA6E4}">
+                <adec:decorative xmlns:adec="http://schemas.microsoft.com/office/drawing/2017/decorative" val="1"/>
+              </a:ext>
+            </a:extLst>
+          </p:cNvPr>
+          <p:cNvSpPr>
+            <a:spLocks noGrp="1" noRot="1" noChangeAspect="1" noMove="1" noResize="1" noEditPoints="1" noAdjustHandles="1" noChangeArrowheads="1" noChangeShapeType="1" noTextEdit="1"/>
+          </p:cNvSpPr>
+          <p:nvPr>
+            <p:extLst>
+              <p:ext uri="{386F3935-93C4-4BCD-93E2-E3B085C9AB24}">
+                <p16:designElem xmlns:p16="http://schemas.microsoft.com/office/powerpoint/2015/main" val="1"/>
+              </p:ext>
+            </p:extLst>
+          </p:nvPr>
+        </p:nvSpPr>
+        <p:spPr>
+          <a:xfrm>
+            <a:off x="798949" y="808057"/>
+            <a:ext cx="6752461" cy="5234394"/>
+          </a:xfrm>
+          <a:prstGeom prst="round2DiagRect">
+            <a:avLst>
+              <a:gd name="adj1" fmla="val 7418"/>
+              <a:gd name="adj2" fmla="val 0"/>
+            </a:avLst>
+          </a:prstGeom>
+          <a:solidFill>
+            <a:srgbClr val="FFFFFF"/>
+          </a:solidFill>
+          <a:ln w="19050" cap="sq">
+            <a:solidFill>
+              <a:schemeClr val="tx2">
+                <a:lumMod val="60000"/>
+                <a:lumOff val="40000"/>
+                <a:alpha val="60000"/>
+              </a:schemeClr>
+            </a:solidFill>
+            <a:miter lim="800000"/>
+          </a:ln>
+          <a:effectLst>
+            <a:outerShdw blurRad="88900" dist="38100" dir="5400000" algn="t" rotWithShape="0">
+              <a:prstClr val="black">
+                <a:alpha val="40000"/>
+              </a:prstClr>
+            </a:outerShdw>
+          </a:effectLst>
+        </p:spPr>
+        <p:style>
+          <a:lnRef idx="2">
+            <a:schemeClr val="accent1">
+              <a:shade val="50000"/>
+            </a:schemeClr>
+          </a:lnRef>
+          <a:fillRef idx="1">
+            <a:schemeClr val="accent1"/>
+          </a:fillRef>
+          <a:effectRef idx="0">
+            <a:schemeClr val="accent1"/>
+          </a:effectRef>
+          <a:fontRef idx="minor">
+            <a:schemeClr val="lt1"/>
+          </a:fontRef>
+        </p:style>
+        <p:txBody>
+          <a:bodyPr rtlCol="0" anchor="ctr"/>
+          <a:lstStyle/>
+          <a:p>
+            <a:pPr algn="ctr"/>
+            <a:endParaRPr lang="en-US"/>
+          </a:p>
+        </p:txBody>
+      </p:sp>
+      <p:pic>
+        <p:nvPicPr>
+          <p:cNvPr id="7170" name="Picture 2">
+            <a:extLst>
+              <a:ext uri="{FF2B5EF4-FFF2-40B4-BE49-F238E27FC236}">
+                <a16:creationId xmlns:a16="http://schemas.microsoft.com/office/drawing/2014/main" id="{CD028798-E4A0-46A7-8CDB-A6E8AF4D26F2}"/>
+              </a:ext>
+            </a:extLst>
+          </p:cNvPr>
+          <p:cNvPicPr>
+            <a:picLocks noChangeAspect="1" noChangeArrowheads="1"/>
+          </p:cNvPicPr>
+          <p:nvPr/>
+        </p:nvPicPr>
+        <p:blipFill>
+          <a:blip r:embed="rId3">
+            <a:extLst>
+              <a:ext uri="{28A0092B-C50C-407E-A947-70E740481C1C}">
+                <a14:useLocalDpi xmlns:a14="http://schemas.microsoft.com/office/drawing/2010/main" val="0"/>
+              </a:ext>
+            </a:extLst>
+          </a:blip>
+          <a:stretch>
+            <a:fillRect/>
+          </a:stretch>
+        </p:blipFill>
+        <p:spPr bwMode="auto">
+          <a:xfrm>
+            <a:off x="1118988" y="1386262"/>
+            <a:ext cx="6112382" cy="4080014"/>
+          </a:xfrm>
+          <a:prstGeom prst="rect">
+            <a:avLst/>
+          </a:prstGeom>
+          <a:noFill/>
+          <a:extLst>
+            <a:ext uri="{909E8E84-426E-40DD-AFC4-6F175D3DCCD1}">
+              <a14:hiddenFill xmlns:a14="http://schemas.microsoft.com/office/drawing/2010/main">
+                <a:solidFill>
+                  <a:srgbClr val="FFFFFF"/>
+                </a:solidFill>
+              </a14:hiddenFill>
+            </a:ext>
+          </a:extLst>
+        </p:spPr>
+      </p:pic>
+      <p:sp>
+        <p:nvSpPr>
+          <p:cNvPr id="3" name="Content Placeholder 2">
+            <a:extLst>
+              <a:ext uri="{FF2B5EF4-FFF2-40B4-BE49-F238E27FC236}">
+                <a16:creationId xmlns:a16="http://schemas.microsoft.com/office/drawing/2014/main" id="{7725F15B-87BF-418C-B6FE-9F152400A417}"/>
+              </a:ext>
+            </a:extLst>
+          </p:cNvPr>
+          <p:cNvSpPr>
+            <a:spLocks noGrp="1"/>
+          </p:cNvSpPr>
+          <p:nvPr>
+            <p:ph idx="1"/>
+          </p:nvPr>
+        </p:nvSpPr>
+        <p:spPr>
+          <a:xfrm>
+            <a:off x="8112047" y="2737167"/>
+            <a:ext cx="3281004" cy="3541714"/>
+          </a:xfrm>
+        </p:spPr>
+        <p:txBody>
+          <a:bodyPr>
+            <a:normAutofit/>
+          </a:bodyPr>
+          <a:lstStyle/>
+          <a:p>
+            <a:pPr marL="0" indent="0">
+              <a:buNone/>
+            </a:pPr>
+            <a:r>
+              <a:rPr lang="en-US" sz="4400" dirty="0"/>
+              <a:t>Course Stats </a:t>
+            </a:r>
+          </a:p>
+        </p:txBody>
+      </p:sp>
+    </p:spTree>
+    <p:extLst>
+      <p:ext uri="{BB962C8B-B14F-4D97-AF65-F5344CB8AC3E}">
+        <p14:creationId xmlns:p14="http://schemas.microsoft.com/office/powerpoint/2010/main" val="2287001407"/>
+      </p:ext>
+    </p:extLst>
+  </p:cSld>
+  <p:clrMapOvr>
+    <a:masterClrMapping/>
+  </p:clrMapOvr>
+</p:sld>
+</file>
+
+<file path=ppt/slides/slide14.xml><?xml version="1.0" encoding="utf-8"?>
+<p:sld xmlns:a="http://schemas.openxmlformats.org/drawingml/2006/main" xmlns:r="http://schemas.openxmlformats.org/officeDocument/2006/relationships" xmlns:p="http://schemas.openxmlformats.org/presentationml/2006/main">
+  <p:cSld>
+    <p:spTree>
+      <p:nvGrpSpPr>
+        <p:cNvPr id="1" name=""/>
+        <p:cNvGrpSpPr/>
+        <p:nvPr/>
+      </p:nvGrpSpPr>
+      <p:grpSpPr>
+        <a:xfrm>
+          <a:off x="0" y="0"/>
+          <a:ext cx="0" cy="0"/>
+          <a:chOff x="0" y="0"/>
+          <a:chExt cx="0" cy="0"/>
+        </a:xfrm>
+      </p:grpSpPr>
+      <p:sp>
+        <p:nvSpPr>
+          <p:cNvPr id="3" name="Content Placeholder 2">
+            <a:extLst>
+              <a:ext uri="{FF2B5EF4-FFF2-40B4-BE49-F238E27FC236}">
+                <a16:creationId xmlns:a16="http://schemas.microsoft.com/office/drawing/2014/main" id="{281F8BE0-8CAF-4CCD-B420-1BAAE5F3769C}"/>
+              </a:ext>
+            </a:extLst>
+          </p:cNvPr>
+          <p:cNvSpPr>
+            <a:spLocks noGrp="1"/>
+          </p:cNvSpPr>
+          <p:nvPr>
+            <p:ph idx="1"/>
+          </p:nvPr>
+        </p:nvSpPr>
+        <p:spPr>
+          <a:xfrm>
+            <a:off x="3594100" y="5267007"/>
+            <a:ext cx="9905999" cy="3541714"/>
+          </a:xfrm>
+        </p:spPr>
+        <p:txBody>
+          <a:bodyPr>
+            <a:normAutofit/>
+          </a:bodyPr>
+          <a:lstStyle/>
+          <a:p>
+            <a:pPr marL="0" indent="0">
+              <a:buNone/>
+            </a:pPr>
+            <a:r>
+              <a:rPr lang="en-US" sz="4800" dirty="0"/>
+              <a:t>Deleting a student. </a:t>
+            </a:r>
+          </a:p>
+        </p:txBody>
+      </p:sp>
+      <p:pic>
+        <p:nvPicPr>
+          <p:cNvPr id="8194" name="Picture 2">
+            <a:extLst>
+              <a:ext uri="{FF2B5EF4-FFF2-40B4-BE49-F238E27FC236}">
+                <a16:creationId xmlns:a16="http://schemas.microsoft.com/office/drawing/2014/main" id="{D98767D3-16F3-424E-8DC0-F4721F27B81B}"/>
+              </a:ext>
+            </a:extLst>
+          </p:cNvPr>
+          <p:cNvPicPr>
+            <a:picLocks noChangeAspect="1" noChangeArrowheads="1"/>
+          </p:cNvPicPr>
+          <p:nvPr/>
+        </p:nvPicPr>
+        <p:blipFill>
+          <a:blip r:embed="rId2">
+            <a:extLst>
+              <a:ext uri="{28A0092B-C50C-407E-A947-70E740481C1C}">
+                <a14:useLocalDpi xmlns:a14="http://schemas.microsoft.com/office/drawing/2010/main" val="0"/>
+              </a:ext>
+            </a:extLst>
+          </a:blip>
+          <a:srcRect/>
+          <a:stretch>
+            <a:fillRect/>
+          </a:stretch>
+        </p:blipFill>
+        <p:spPr bwMode="auto">
+          <a:xfrm>
+            <a:off x="1287457" y="839470"/>
+            <a:ext cx="9753600" cy="780288"/>
+          </a:xfrm>
+          <a:prstGeom prst="rect">
+            <a:avLst/>
+          </a:prstGeom>
+          <a:noFill/>
+          <a:extLst>
+            <a:ext uri="{909E8E84-426E-40DD-AFC4-6F175D3DCCD1}">
+              <a14:hiddenFill xmlns:a14="http://schemas.microsoft.com/office/drawing/2010/main">
+                <a:solidFill>
+                  <a:srgbClr val="FFFFFF"/>
+                </a:solidFill>
+              </a14:hiddenFill>
+            </a:ext>
+          </a:extLst>
+        </p:spPr>
+      </p:pic>
+      <p:pic>
+        <p:nvPicPr>
+          <p:cNvPr id="8196" name="Picture 4">
+            <a:extLst>
+              <a:ext uri="{FF2B5EF4-FFF2-40B4-BE49-F238E27FC236}">
+                <a16:creationId xmlns:a16="http://schemas.microsoft.com/office/drawing/2014/main" id="{BBEDEC48-4C31-410F-B0CC-F5D6F3B1864F}"/>
+              </a:ext>
+            </a:extLst>
+          </p:cNvPr>
+          <p:cNvPicPr>
+            <a:picLocks noChangeAspect="1" noChangeArrowheads="1"/>
+          </p:cNvPicPr>
+          <p:nvPr/>
+        </p:nvPicPr>
+        <p:blipFill>
+          <a:blip r:embed="rId3">
+            <a:extLst>
+              <a:ext uri="{28A0092B-C50C-407E-A947-70E740481C1C}">
+                <a14:useLocalDpi xmlns:a14="http://schemas.microsoft.com/office/drawing/2010/main" val="0"/>
+              </a:ext>
+            </a:extLst>
+          </a:blip>
+          <a:srcRect/>
+          <a:stretch>
+            <a:fillRect/>
+          </a:stretch>
+        </p:blipFill>
+        <p:spPr bwMode="auto">
+          <a:xfrm>
+            <a:off x="1287457" y="1619758"/>
+            <a:ext cx="9827584" cy="3716843"/>
+          </a:xfrm>
+          <a:prstGeom prst="rect">
+            <a:avLst/>
+          </a:prstGeom>
+          <a:noFill/>
+          <a:extLst>
+            <a:ext uri="{909E8E84-426E-40DD-AFC4-6F175D3DCCD1}">
+              <a14:hiddenFill xmlns:a14="http://schemas.microsoft.com/office/drawing/2010/main">
+                <a:solidFill>
+                  <a:srgbClr val="FFFFFF"/>
+                </a:solidFill>
+              </a14:hiddenFill>
+            </a:ext>
+          </a:extLst>
+        </p:spPr>
+      </p:pic>
+    </p:spTree>
+    <p:extLst>
+      <p:ext uri="{BB962C8B-B14F-4D97-AF65-F5344CB8AC3E}">
+        <p14:creationId xmlns:p14="http://schemas.microsoft.com/office/powerpoint/2010/main" val="2542510941"/>
+      </p:ext>
+    </p:extLst>
+  </p:cSld>
+  <p:clrMapOvr>
+    <a:masterClrMapping/>
+  </p:clrMapOvr>
+</p:sld>
+</file>
+
+<file path=ppt/slides/slide15.xml><?xml version="1.0" encoding="utf-8"?>
+<p:sld xmlns:a="http://schemas.openxmlformats.org/drawingml/2006/main" xmlns:r="http://schemas.openxmlformats.org/officeDocument/2006/relationships" xmlns:p="http://schemas.openxmlformats.org/presentationml/2006/main">
+  <p:cSld>
+    <p:bg>
+      <p:bgPr>
+        <a:blipFill>
+          <a:blip r:embed="rId2">
+            <a:duotone>
+              <a:schemeClr val="bg2">
+                <a:shade val="48000"/>
+                <a:hueMod val="106000"/>
+                <a:satMod val="140000"/>
+                <a:lumMod val="42000"/>
+              </a:schemeClr>
+              <a:schemeClr val="bg2">
+                <a:tint val="98000"/>
+                <a:hueMod val="92000"/>
+                <a:satMod val="220000"/>
+                <a:lumMod val="90000"/>
+              </a:schemeClr>
+            </a:duotone>
+          </a:blip>
+          <a:stretch/>
+        </a:blipFill>
+        <a:effectLst/>
+      </p:bgPr>
+    </p:bg>
+    <p:spTree>
+      <p:nvGrpSpPr>
+        <p:cNvPr id="1" name=""/>
+        <p:cNvGrpSpPr/>
+        <p:nvPr/>
+      </p:nvGrpSpPr>
+      <p:grpSpPr>
+        <a:xfrm>
+          <a:off x="0" y="0"/>
+          <a:ext cx="0" cy="0"/>
+          <a:chOff x="0" y="0"/>
+          <a:chExt cx="0" cy="0"/>
+        </a:xfrm>
+      </p:grpSpPr>
+      <p:sp>
+        <p:nvSpPr>
+          <p:cNvPr id="71" name="Round Diagonal Corner Rectangle 11">
+            <a:extLst>
+              <a:ext uri="{FF2B5EF4-FFF2-40B4-BE49-F238E27FC236}">
+                <a16:creationId xmlns:a16="http://schemas.microsoft.com/office/drawing/2014/main" id="{E4B7B3E3-827A-48BE-AD67-A57C45AA6949}"/>
+              </a:ext>
+              <a:ext uri="{C183D7F6-B498-43B3-948B-1728B52AA6E4}">
+                <adec:decorative xmlns:adec="http://schemas.microsoft.com/office/drawing/2017/decorative" val="1"/>
+              </a:ext>
+            </a:extLst>
+          </p:cNvPr>
+          <p:cNvSpPr>
+            <a:spLocks noGrp="1" noRot="1" noChangeAspect="1" noMove="1" noResize="1" noEditPoints="1" noAdjustHandles="1" noChangeArrowheads="1" noChangeShapeType="1" noTextEdit="1"/>
+          </p:cNvSpPr>
+          <p:nvPr>
+            <p:extLst>
+              <p:ext uri="{386F3935-93C4-4BCD-93E2-E3B085C9AB24}">
+                <p16:designElem xmlns:p16="http://schemas.microsoft.com/office/powerpoint/2015/main" val="1"/>
+              </p:ext>
+            </p:extLst>
+          </p:nvPr>
+        </p:nvSpPr>
+        <p:spPr>
+          <a:xfrm>
+            <a:off x="798949" y="808057"/>
+            <a:ext cx="6752461" cy="5234394"/>
+          </a:xfrm>
+          <a:prstGeom prst="round2DiagRect">
+            <a:avLst>
+              <a:gd name="adj1" fmla="val 7418"/>
+              <a:gd name="adj2" fmla="val 0"/>
+            </a:avLst>
+          </a:prstGeom>
+          <a:solidFill>
+            <a:srgbClr val="FFFFFF"/>
+          </a:solidFill>
+          <a:ln w="19050" cap="sq">
+            <a:solidFill>
+              <a:schemeClr val="tx2">
+                <a:lumMod val="60000"/>
+                <a:lumOff val="40000"/>
+                <a:alpha val="60000"/>
+              </a:schemeClr>
+            </a:solidFill>
+            <a:miter lim="800000"/>
+          </a:ln>
+          <a:effectLst>
+            <a:outerShdw blurRad="88900" dist="38100" dir="5400000" algn="t" rotWithShape="0">
+              <a:prstClr val="black">
+                <a:alpha val="40000"/>
+              </a:prstClr>
+            </a:outerShdw>
+          </a:effectLst>
+        </p:spPr>
+        <p:style>
+          <a:lnRef idx="2">
+            <a:schemeClr val="accent1">
+              <a:shade val="50000"/>
+            </a:schemeClr>
+          </a:lnRef>
+          <a:fillRef idx="1">
+            <a:schemeClr val="accent1"/>
+          </a:fillRef>
+          <a:effectRef idx="0">
+            <a:schemeClr val="accent1"/>
+          </a:effectRef>
+          <a:fontRef idx="minor">
+            <a:schemeClr val="lt1"/>
+          </a:fontRef>
+        </p:style>
+        <p:txBody>
+          <a:bodyPr rtlCol="0" anchor="ctr"/>
+          <a:lstStyle/>
+          <a:p>
+            <a:pPr algn="ctr"/>
+            <a:endParaRPr lang="en-US"/>
+          </a:p>
+        </p:txBody>
+      </p:sp>
+      <p:pic>
+        <p:nvPicPr>
+          <p:cNvPr id="9218" name="Picture 2">
+            <a:extLst>
+              <a:ext uri="{FF2B5EF4-FFF2-40B4-BE49-F238E27FC236}">
+                <a16:creationId xmlns:a16="http://schemas.microsoft.com/office/drawing/2014/main" id="{F569AE42-271A-4C25-BD8D-E1E01120A02A}"/>
+              </a:ext>
+            </a:extLst>
+          </p:cNvPr>
+          <p:cNvPicPr>
+            <a:picLocks noChangeAspect="1" noChangeArrowheads="1"/>
+          </p:cNvPicPr>
+          <p:nvPr/>
+        </p:nvPicPr>
+        <p:blipFill>
+          <a:blip r:embed="rId3">
+            <a:extLst>
+              <a:ext uri="{28A0092B-C50C-407E-A947-70E740481C1C}">
+                <a14:useLocalDpi xmlns:a14="http://schemas.microsoft.com/office/drawing/2010/main" val="0"/>
+              </a:ext>
+            </a:extLst>
+          </a:blip>
+          <a:stretch>
+            <a:fillRect/>
+          </a:stretch>
+        </p:blipFill>
+        <p:spPr bwMode="auto">
+          <a:xfrm>
+            <a:off x="1118988" y="1623117"/>
+            <a:ext cx="6112382" cy="3606305"/>
+          </a:xfrm>
+          <a:prstGeom prst="rect">
+            <a:avLst/>
+          </a:prstGeom>
+          <a:noFill/>
+          <a:extLst>
+            <a:ext uri="{909E8E84-426E-40DD-AFC4-6F175D3DCCD1}">
+              <a14:hiddenFill xmlns:a14="http://schemas.microsoft.com/office/drawing/2010/main">
+                <a:solidFill>
+                  <a:srgbClr val="FFFFFF"/>
+                </a:solidFill>
+              </a14:hiddenFill>
+            </a:ext>
+          </a:extLst>
+        </p:spPr>
+      </p:pic>
+      <p:sp>
+        <p:nvSpPr>
+          <p:cNvPr id="3" name="Content Placeholder 2">
+            <a:extLst>
+              <a:ext uri="{FF2B5EF4-FFF2-40B4-BE49-F238E27FC236}">
+                <a16:creationId xmlns:a16="http://schemas.microsoft.com/office/drawing/2014/main" id="{7FFA7ADF-4917-49B9-AD45-D37F1FFF485E}"/>
+              </a:ext>
+            </a:extLst>
+          </p:cNvPr>
+          <p:cNvSpPr>
+            <a:spLocks noGrp="1"/>
+          </p:cNvSpPr>
+          <p:nvPr>
+            <p:ph idx="1"/>
+          </p:nvPr>
+        </p:nvSpPr>
+        <p:spPr>
+          <a:xfrm>
+            <a:off x="8198601" y="2889567"/>
+            <a:ext cx="3281004" cy="3541714"/>
+          </a:xfrm>
+        </p:spPr>
+        <p:txBody>
+          <a:bodyPr>
+            <a:normAutofit/>
+          </a:bodyPr>
+          <a:lstStyle/>
+          <a:p>
+            <a:pPr marL="0" indent="0">
+              <a:buNone/>
+            </a:pPr>
+            <a:r>
+              <a:rPr lang="en-US" sz="4400" dirty="0"/>
+              <a:t>Updates stats</a:t>
+            </a:r>
+          </a:p>
+        </p:txBody>
+      </p:sp>
+    </p:spTree>
+    <p:extLst>
+      <p:ext uri="{BB962C8B-B14F-4D97-AF65-F5344CB8AC3E}">
+        <p14:creationId xmlns:p14="http://schemas.microsoft.com/office/powerpoint/2010/main" val="922037926"/>
+      </p:ext>
+    </p:extLst>
+  </p:cSld>
+  <p:clrMapOvr>
+    <a:masterClrMapping/>
+  </p:clrMapOvr>
+</p:sld>
+</file>
+
+<file path=ppt/slides/slide16.xml><?xml version="1.0" encoding="utf-8"?>
+<p:sld xmlns:a="http://schemas.openxmlformats.org/drawingml/2006/main" xmlns:r="http://schemas.openxmlformats.org/officeDocument/2006/relationships" xmlns:p="http://schemas.openxmlformats.org/presentationml/2006/main">
+  <p:cSld>
+    <p:spTree>
+      <p:nvGrpSpPr>
+        <p:cNvPr id="1" name=""/>
+        <p:cNvGrpSpPr/>
+        <p:nvPr/>
+      </p:nvGrpSpPr>
+      <p:grpSpPr>
+        <a:xfrm>
+          <a:off x="0" y="0"/>
+          <a:ext cx="0" cy="0"/>
+          <a:chOff x="0" y="0"/>
+          <a:chExt cx="0" cy="0"/>
+        </a:xfrm>
+      </p:grpSpPr>
+      <p:sp>
+        <p:nvSpPr>
+          <p:cNvPr id="3" name="Content Placeholder 2">
+            <a:extLst>
+              <a:ext uri="{FF2B5EF4-FFF2-40B4-BE49-F238E27FC236}">
+                <a16:creationId xmlns:a16="http://schemas.microsoft.com/office/drawing/2014/main" id="{07AEFB0E-F727-4CEA-9959-47B10A7FDDF6}"/>
+              </a:ext>
+            </a:extLst>
+          </p:cNvPr>
+          <p:cNvSpPr>
+            <a:spLocks noGrp="1"/>
+          </p:cNvSpPr>
+          <p:nvPr>
+            <p:ph idx="1"/>
+          </p:nvPr>
+        </p:nvSpPr>
+        <p:spPr>
+          <a:xfrm>
+            <a:off x="1143000" y="1658143"/>
+            <a:ext cx="9905999" cy="3541714"/>
+          </a:xfrm>
+        </p:spPr>
+        <p:txBody>
+          <a:bodyPr/>
+          <a:lstStyle/>
+          <a:p>
+            <a:pPr marL="0" indent="0">
+              <a:buNone/>
+            </a:pPr>
+            <a:r>
+              <a:rPr lang="en-US" dirty="0"/>
+              <a:t>Other operations include: </a:t>
+            </a:r>
+          </a:p>
+          <a:p>
+            <a:endParaRPr lang="en-US" dirty="0"/>
+          </a:p>
+          <a:p>
+            <a:r>
+              <a:rPr lang="en-US" dirty="0"/>
+              <a:t>Edit student scores by going into a student from the student list. </a:t>
+            </a:r>
+          </a:p>
+          <a:p>
+            <a:r>
+              <a:rPr lang="en-US" dirty="0"/>
+              <a:t>Delete an assignment and see the change in course stats. </a:t>
+            </a:r>
+          </a:p>
+          <a:p>
+            <a:r>
+              <a:rPr lang="en-US" dirty="0"/>
+              <a:t>Add a new student to the course and update all the assignments.</a:t>
+            </a:r>
+          </a:p>
+          <a:p>
+            <a:endParaRPr lang="en-US" dirty="0"/>
+          </a:p>
+          <a:p>
+            <a:endParaRPr lang="en-US" dirty="0"/>
+          </a:p>
+        </p:txBody>
+      </p:sp>
+    </p:spTree>
+    <p:extLst>
+      <p:ext uri="{BB962C8B-B14F-4D97-AF65-F5344CB8AC3E}">
+        <p14:creationId xmlns:p14="http://schemas.microsoft.com/office/powerpoint/2010/main" val="3679523318"/>
+      </p:ext>
+    </p:extLst>
+  </p:cSld>
+  <p:clrMapOvr>
+    <a:masterClrMapping/>
+  </p:clrMapOvr>
+</p:sld>
+</file>
+
 <file path=ppt/slides/slide2.xml><?xml version="1.0" encoding="utf-8"?>
 <p:sld xmlns:a="http://schemas.openxmlformats.org/drawingml/2006/main" xmlns:r="http://schemas.openxmlformats.org/officeDocument/2006/relationships" xmlns:p="http://schemas.openxmlformats.org/presentationml/2006/main">
   <p:cSld>
@@ -13137,7 +14496,7 @@
           <a:noFill/>
           <a:extLst>
             <a:ext uri="{909E8E84-426E-40dd-AFC4-6F175D3DCCD1}">
-              <a14:hiddenFill xmlns="" xmlns:a16="http://schemas.microsoft.com/office/drawing/2014/main" xmlns:a14="http://schemas.microsoft.com/office/drawing/2010/main" xmlns:p14="http://schemas.microsoft.com/office/powerpoint/2010/main">
+              <a14:hiddenFill xmlns:p14="http://schemas.microsoft.com/office/powerpoint/2010/main" xmlns:a14="http://schemas.microsoft.com/office/drawing/2010/main" xmlns:a16="http://schemas.microsoft.com/office/drawing/2014/main" xmlns="">
                 <a:solidFill>
                   <a:srgbClr val="FFFFFF"/>
                 </a:solidFill>
@@ -13228,7 +14587,7 @@
             </a:ln>
             <a:extLst>
               <a:ext uri="{91240B29-F687-4f45-9708-019B960494DF}">
-                <a14:hiddenLine xmlns="" xmlns:a16="http://schemas.microsoft.com/office/drawing/2014/main" xmlns:a14="http://schemas.microsoft.com/office/drawing/2010/main" xmlns:p14="http://schemas.microsoft.com/office/powerpoint/2010/main" w="9525">
+                <a14:hiddenLine xmlns:p14="http://schemas.microsoft.com/office/powerpoint/2010/main" xmlns:a14="http://schemas.microsoft.com/office/drawing/2010/main" xmlns:a16="http://schemas.microsoft.com/office/drawing/2014/main" xmlns="" w="9525">
                   <a:solidFill>
                     <a:srgbClr val="000000"/>
                   </a:solidFill>
@@ -13333,7 +14692,7 @@
             </a:ln>
             <a:extLst>
               <a:ext uri="{91240B29-F687-4f45-9708-019B960494DF}">
-                <a14:hiddenLine xmlns="" xmlns:a16="http://schemas.microsoft.com/office/drawing/2014/main" xmlns:a14="http://schemas.microsoft.com/office/drawing/2010/main" xmlns:p14="http://schemas.microsoft.com/office/powerpoint/2010/main" w="9525">
+                <a14:hiddenLine xmlns:p14="http://schemas.microsoft.com/office/powerpoint/2010/main" xmlns:a14="http://schemas.microsoft.com/office/drawing/2010/main" xmlns:a16="http://schemas.microsoft.com/office/drawing/2014/main" xmlns="" w="9525">
                   <a:solidFill>
                     <a:srgbClr val="000000"/>
                   </a:solidFill>
@@ -13438,7 +14797,7 @@
             </a:ln>
             <a:extLst>
               <a:ext uri="{91240B29-F687-4f45-9708-019B960494DF}">
-                <a14:hiddenLine xmlns="" xmlns:a16="http://schemas.microsoft.com/office/drawing/2014/main" xmlns:a14="http://schemas.microsoft.com/office/drawing/2010/main" xmlns:p14="http://schemas.microsoft.com/office/powerpoint/2010/main" w="9525">
+                <a14:hiddenLine xmlns:p14="http://schemas.microsoft.com/office/powerpoint/2010/main" xmlns:a14="http://schemas.microsoft.com/office/drawing/2010/main" xmlns:a16="http://schemas.microsoft.com/office/drawing/2014/main" xmlns="" w="9525">
                   <a:solidFill>
                     <a:srgbClr val="000000"/>
                   </a:solidFill>
@@ -13487,7 +14846,7 @@
             </a:ln>
             <a:extLst>
               <a:ext uri="{91240B29-F687-4f45-9708-019B960494DF}">
-                <a14:hiddenLine xmlns="" xmlns:a16="http://schemas.microsoft.com/office/drawing/2014/main" xmlns:a14="http://schemas.microsoft.com/office/drawing/2010/main" xmlns:p14="http://schemas.microsoft.com/office/powerpoint/2010/main" w="9525">
+                <a14:hiddenLine xmlns:p14="http://schemas.microsoft.com/office/powerpoint/2010/main" xmlns:a14="http://schemas.microsoft.com/office/drawing/2010/main" xmlns:a16="http://schemas.microsoft.com/office/drawing/2014/main" xmlns="" w="9525">
                   <a:solidFill>
                     <a:srgbClr val="000000"/>
                   </a:solidFill>
@@ -13592,7 +14951,7 @@
             </a:ln>
             <a:extLst>
               <a:ext uri="{91240B29-F687-4f45-9708-019B960494DF}">
-                <a14:hiddenLine xmlns="" xmlns:a16="http://schemas.microsoft.com/office/drawing/2014/main" xmlns:a14="http://schemas.microsoft.com/office/drawing/2010/main" xmlns:p14="http://schemas.microsoft.com/office/powerpoint/2010/main" w="9525">
+                <a14:hiddenLine xmlns:p14="http://schemas.microsoft.com/office/powerpoint/2010/main" xmlns:a14="http://schemas.microsoft.com/office/drawing/2010/main" xmlns:a16="http://schemas.microsoft.com/office/drawing/2014/main" xmlns="" w="9525">
                   <a:solidFill>
                     <a:srgbClr val="000000"/>
                   </a:solidFill>
@@ -13669,7 +15028,7 @@
             </a:ln>
             <a:extLst>
               <a:ext uri="{91240B29-F687-4f45-9708-019B960494DF}">
-                <a14:hiddenLine xmlns="" xmlns:a16="http://schemas.microsoft.com/office/drawing/2014/main" xmlns:a14="http://schemas.microsoft.com/office/drawing/2010/main" xmlns:p14="http://schemas.microsoft.com/office/powerpoint/2010/main" w="9525">
+                <a14:hiddenLine xmlns:p14="http://schemas.microsoft.com/office/powerpoint/2010/main" xmlns:a14="http://schemas.microsoft.com/office/drawing/2010/main" xmlns:a16="http://schemas.microsoft.com/office/drawing/2014/main" xmlns="" w="9525">
                   <a:solidFill>
                     <a:srgbClr val="000000"/>
                   </a:solidFill>
@@ -13746,7 +15105,7 @@
             </a:ln>
             <a:extLst>
               <a:ext uri="{91240B29-F687-4f45-9708-019B960494DF}">
-                <a14:hiddenLine xmlns="" xmlns:a16="http://schemas.microsoft.com/office/drawing/2014/main" xmlns:a14="http://schemas.microsoft.com/office/drawing/2010/main" xmlns:p14="http://schemas.microsoft.com/office/powerpoint/2010/main" w="9525">
+                <a14:hiddenLine xmlns:p14="http://schemas.microsoft.com/office/powerpoint/2010/main" xmlns:a14="http://schemas.microsoft.com/office/drawing/2010/main" xmlns:a16="http://schemas.microsoft.com/office/drawing/2014/main" xmlns="" w="9525">
                   <a:solidFill>
                     <a:srgbClr val="000000"/>
                   </a:solidFill>
@@ -13851,7 +15210,7 @@
             </a:ln>
             <a:extLst>
               <a:ext uri="{91240B29-F687-4f45-9708-019B960494DF}">
-                <a14:hiddenLine xmlns="" xmlns:a16="http://schemas.microsoft.com/office/drawing/2014/main" xmlns:a14="http://schemas.microsoft.com/office/drawing/2010/main" xmlns:p14="http://schemas.microsoft.com/office/powerpoint/2010/main" w="9525">
+                <a14:hiddenLine xmlns:p14="http://schemas.microsoft.com/office/powerpoint/2010/main" xmlns:a14="http://schemas.microsoft.com/office/drawing/2010/main" xmlns:a16="http://schemas.microsoft.com/office/drawing/2014/main" xmlns="" w="9525">
                   <a:solidFill>
                     <a:srgbClr val="000000"/>
                   </a:solidFill>
@@ -13928,7 +15287,7 @@
             </a:ln>
             <a:extLst>
               <a:ext uri="{91240B29-F687-4f45-9708-019B960494DF}">
-                <a14:hiddenLine xmlns="" xmlns:a16="http://schemas.microsoft.com/office/drawing/2014/main" xmlns:a14="http://schemas.microsoft.com/office/drawing/2010/main" xmlns:p14="http://schemas.microsoft.com/office/powerpoint/2010/main" w="9525">
+                <a14:hiddenLine xmlns:p14="http://schemas.microsoft.com/office/powerpoint/2010/main" xmlns:a14="http://schemas.microsoft.com/office/drawing/2010/main" xmlns:a16="http://schemas.microsoft.com/office/drawing/2014/main" xmlns="" w="9525">
                   <a:solidFill>
                     <a:srgbClr val="000000"/>
                   </a:solidFill>
@@ -14005,7 +15364,7 @@
             </a:ln>
             <a:extLst>
               <a:ext uri="{91240B29-F687-4f45-9708-019B960494DF}">
-                <a14:hiddenLine xmlns="" xmlns:a16="http://schemas.microsoft.com/office/drawing/2014/main" xmlns:a14="http://schemas.microsoft.com/office/drawing/2010/main" xmlns:p14="http://schemas.microsoft.com/office/powerpoint/2010/main" w="9525">
+                <a14:hiddenLine xmlns:p14="http://schemas.microsoft.com/office/powerpoint/2010/main" xmlns:a14="http://schemas.microsoft.com/office/drawing/2010/main" xmlns:a16="http://schemas.microsoft.com/office/drawing/2014/main" xmlns="" w="9525">
                   <a:solidFill>
                     <a:srgbClr val="000000"/>
                   </a:solidFill>
@@ -14110,7 +15469,7 @@
             </a:ln>
             <a:extLst>
               <a:ext uri="{91240B29-F687-4f45-9708-019B960494DF}">
-                <a14:hiddenLine xmlns="" xmlns:a16="http://schemas.microsoft.com/office/drawing/2014/main" xmlns:a14="http://schemas.microsoft.com/office/drawing/2010/main" xmlns:p14="http://schemas.microsoft.com/office/powerpoint/2010/main" w="9525">
+                <a14:hiddenLine xmlns:p14="http://schemas.microsoft.com/office/powerpoint/2010/main" xmlns:a14="http://schemas.microsoft.com/office/drawing/2010/main" xmlns:a16="http://schemas.microsoft.com/office/drawing/2014/main" xmlns="" w="9525">
                   <a:solidFill>
                     <a:srgbClr val="000000"/>
                   </a:solidFill>
@@ -14215,7 +15574,7 @@
             </a:ln>
             <a:extLst>
               <a:ext uri="{91240B29-F687-4f45-9708-019B960494DF}">
-                <a14:hiddenLine xmlns="" xmlns:a16="http://schemas.microsoft.com/office/drawing/2014/main" xmlns:a14="http://schemas.microsoft.com/office/drawing/2010/main" xmlns:p14="http://schemas.microsoft.com/office/powerpoint/2010/main" w="9525">
+                <a14:hiddenLine xmlns:p14="http://schemas.microsoft.com/office/powerpoint/2010/main" xmlns:a14="http://schemas.microsoft.com/office/drawing/2010/main" xmlns:a16="http://schemas.microsoft.com/office/drawing/2014/main" xmlns="" w="9525">
                   <a:solidFill>
                     <a:srgbClr val="000000"/>
                   </a:solidFill>
@@ -14292,7 +15651,7 @@
             </a:ln>
             <a:extLst>
               <a:ext uri="{91240B29-F687-4f45-9708-019B960494DF}">
-                <a14:hiddenLine xmlns="" xmlns:a16="http://schemas.microsoft.com/office/drawing/2014/main" xmlns:a14="http://schemas.microsoft.com/office/drawing/2010/main" xmlns:p14="http://schemas.microsoft.com/office/powerpoint/2010/main" w="9525">
+                <a14:hiddenLine xmlns:p14="http://schemas.microsoft.com/office/powerpoint/2010/main" xmlns:a14="http://schemas.microsoft.com/office/drawing/2010/main" xmlns:a16="http://schemas.microsoft.com/office/drawing/2014/main" xmlns="" w="9525">
                   <a:solidFill>
                     <a:srgbClr val="000000"/>
                   </a:solidFill>
@@ -14417,7 +15776,7 @@
             </a:ln>
             <a:extLst>
               <a:ext uri="{91240B29-F687-4f45-9708-019B960494DF}">
-                <a14:hiddenLine xmlns="" xmlns:a16="http://schemas.microsoft.com/office/drawing/2014/main" xmlns:a14="http://schemas.microsoft.com/office/drawing/2010/main" xmlns:p14="http://schemas.microsoft.com/office/powerpoint/2010/main" w="9525">
+                <a14:hiddenLine xmlns:p14="http://schemas.microsoft.com/office/powerpoint/2010/main" xmlns:a14="http://schemas.microsoft.com/office/drawing/2010/main" xmlns:a16="http://schemas.microsoft.com/office/drawing/2014/main" xmlns="" w="9525">
                   <a:solidFill>
                     <a:srgbClr val="000000"/>
                   </a:solidFill>
@@ -14494,7 +15853,7 @@
             </a:ln>
             <a:extLst>
               <a:ext uri="{91240B29-F687-4f45-9708-019B960494DF}">
-                <a14:hiddenLine xmlns="" xmlns:a16="http://schemas.microsoft.com/office/drawing/2014/main" xmlns:a14="http://schemas.microsoft.com/office/drawing/2010/main" xmlns:p14="http://schemas.microsoft.com/office/powerpoint/2010/main" w="9525">
+                <a14:hiddenLine xmlns:p14="http://schemas.microsoft.com/office/powerpoint/2010/main" xmlns:a14="http://schemas.microsoft.com/office/drawing/2010/main" xmlns:a16="http://schemas.microsoft.com/office/drawing/2014/main" xmlns="" w="9525">
                   <a:solidFill>
                     <a:srgbClr val="000000"/>
                   </a:solidFill>
@@ -14599,7 +15958,7 @@
             </a:ln>
             <a:extLst>
               <a:ext uri="{91240B29-F687-4f45-9708-019B960494DF}">
-                <a14:hiddenLine xmlns="" xmlns:a16="http://schemas.microsoft.com/office/drawing/2014/main" xmlns:a14="http://schemas.microsoft.com/office/drawing/2010/main" xmlns:p14="http://schemas.microsoft.com/office/powerpoint/2010/main" w="9525">
+                <a14:hiddenLine xmlns:p14="http://schemas.microsoft.com/office/powerpoint/2010/main" xmlns:a14="http://schemas.microsoft.com/office/drawing/2010/main" xmlns:a16="http://schemas.microsoft.com/office/drawing/2014/main" xmlns="" w="9525">
                   <a:solidFill>
                     <a:srgbClr val="000000"/>
                   </a:solidFill>
@@ -14704,7 +16063,7 @@
             </a:ln>
             <a:extLst>
               <a:ext uri="{91240B29-F687-4f45-9708-019B960494DF}">
-                <a14:hiddenLine xmlns="" xmlns:a16="http://schemas.microsoft.com/office/drawing/2014/main" xmlns:a14="http://schemas.microsoft.com/office/drawing/2010/main" xmlns:p14="http://schemas.microsoft.com/office/powerpoint/2010/main" w="9525">
+                <a14:hiddenLine xmlns:p14="http://schemas.microsoft.com/office/powerpoint/2010/main" xmlns:a14="http://schemas.microsoft.com/office/drawing/2010/main" xmlns:a16="http://schemas.microsoft.com/office/drawing/2014/main" xmlns="" w="9525">
                   <a:solidFill>
                     <a:srgbClr val="000000"/>
                   </a:solidFill>
@@ -14781,7 +16140,7 @@
             </a:ln>
             <a:extLst>
               <a:ext uri="{91240B29-F687-4f45-9708-019B960494DF}">
-                <a14:hiddenLine xmlns="" xmlns:a16="http://schemas.microsoft.com/office/drawing/2014/main" xmlns:a14="http://schemas.microsoft.com/office/drawing/2010/main" xmlns:p14="http://schemas.microsoft.com/office/powerpoint/2010/main" w="9525">
+                <a14:hiddenLine xmlns:p14="http://schemas.microsoft.com/office/powerpoint/2010/main" xmlns:a14="http://schemas.microsoft.com/office/drawing/2010/main" xmlns:a16="http://schemas.microsoft.com/office/drawing/2014/main" xmlns="" w="9525">
                   <a:solidFill>
                     <a:srgbClr val="000000"/>
                   </a:solidFill>
@@ -14886,7 +16245,7 @@
             </a:ln>
             <a:extLst>
               <a:ext uri="{91240B29-F687-4f45-9708-019B960494DF}">
-                <a14:hiddenLine xmlns="" xmlns:a16="http://schemas.microsoft.com/office/drawing/2014/main" xmlns:a14="http://schemas.microsoft.com/office/drawing/2010/main" xmlns:p14="http://schemas.microsoft.com/office/powerpoint/2010/main" w="9525">
+                <a14:hiddenLine xmlns:p14="http://schemas.microsoft.com/office/powerpoint/2010/main" xmlns:a14="http://schemas.microsoft.com/office/drawing/2010/main" xmlns:a16="http://schemas.microsoft.com/office/drawing/2014/main" xmlns="" w="9525">
                   <a:solidFill>
                     <a:srgbClr val="000000"/>
                   </a:solidFill>
@@ -14991,7 +16350,7 @@
             </a:ln>
             <a:extLst>
               <a:ext uri="{91240B29-F687-4f45-9708-019B960494DF}">
-                <a14:hiddenLine xmlns="" xmlns:a16="http://schemas.microsoft.com/office/drawing/2014/main" xmlns:a14="http://schemas.microsoft.com/office/drawing/2010/main" xmlns:p14="http://schemas.microsoft.com/office/powerpoint/2010/main" w="9525">
+                <a14:hiddenLine xmlns:p14="http://schemas.microsoft.com/office/powerpoint/2010/main" xmlns:a14="http://schemas.microsoft.com/office/drawing/2010/main" xmlns:a16="http://schemas.microsoft.com/office/drawing/2014/main" xmlns="" w="9525">
                   <a:solidFill>
                     <a:srgbClr val="000000"/>
                   </a:solidFill>
@@ -15062,7 +16421,7 @@
             </a:ln>
             <a:extLst>
               <a:ext uri="{91240B29-F687-4f45-9708-019B960494DF}">
-                <a14:hiddenLine xmlns="" xmlns:a16="http://schemas.microsoft.com/office/drawing/2014/main" xmlns:a14="http://schemas.microsoft.com/office/drawing/2010/main" xmlns:p14="http://schemas.microsoft.com/office/powerpoint/2010/main" w="9525">
+                <a14:hiddenLine xmlns:p14="http://schemas.microsoft.com/office/powerpoint/2010/main" xmlns:a14="http://schemas.microsoft.com/office/drawing/2010/main" xmlns:a16="http://schemas.microsoft.com/office/drawing/2014/main" xmlns="" w="9525">
                   <a:solidFill>
                     <a:srgbClr val="000000"/>
                   </a:solidFill>
@@ -15167,7 +16526,7 @@
             </a:ln>
             <a:extLst>
               <a:ext uri="{91240B29-F687-4f45-9708-019B960494DF}">
-                <a14:hiddenLine xmlns="" xmlns:a16="http://schemas.microsoft.com/office/drawing/2014/main" xmlns:a14="http://schemas.microsoft.com/office/drawing/2010/main" xmlns:p14="http://schemas.microsoft.com/office/powerpoint/2010/main" w="9525">
+                <a14:hiddenLine xmlns:p14="http://schemas.microsoft.com/office/powerpoint/2010/main" xmlns:a14="http://schemas.microsoft.com/office/drawing/2010/main" xmlns:a16="http://schemas.microsoft.com/office/drawing/2014/main" xmlns="" w="9525">
                   <a:solidFill>
                     <a:srgbClr val="000000"/>
                   </a:solidFill>
@@ -15238,7 +16597,7 @@
             </a:ln>
             <a:extLst>
               <a:ext uri="{91240B29-F687-4f45-9708-019B960494DF}">
-                <a14:hiddenLine xmlns="" xmlns:a16="http://schemas.microsoft.com/office/drawing/2014/main" xmlns:a14="http://schemas.microsoft.com/office/drawing/2010/main" xmlns:p14="http://schemas.microsoft.com/office/powerpoint/2010/main" w="9525">
+                <a14:hiddenLine xmlns:p14="http://schemas.microsoft.com/office/powerpoint/2010/main" xmlns:a14="http://schemas.microsoft.com/office/drawing/2010/main" xmlns:a16="http://schemas.microsoft.com/office/drawing/2014/main" xmlns="" w="9525">
                   <a:solidFill>
                     <a:srgbClr val="000000"/>
                   </a:solidFill>
@@ -15343,7 +16702,7 @@
             </a:ln>
             <a:extLst>
               <a:ext uri="{91240B29-F687-4f45-9708-019B960494DF}">
-                <a14:hiddenLine xmlns="" xmlns:a16="http://schemas.microsoft.com/office/drawing/2014/main" xmlns:a14="http://schemas.microsoft.com/office/drawing/2010/main" xmlns:p14="http://schemas.microsoft.com/office/powerpoint/2010/main" w="9525">
+                <a14:hiddenLine xmlns:p14="http://schemas.microsoft.com/office/powerpoint/2010/main" xmlns:a14="http://schemas.microsoft.com/office/drawing/2010/main" xmlns:a16="http://schemas.microsoft.com/office/drawing/2014/main" xmlns="" w="9525">
                   <a:solidFill>
                     <a:srgbClr val="000000"/>
                   </a:solidFill>
@@ -15426,7 +16785,7 @@
             </a:ln>
             <a:extLst>
               <a:ext uri="{91240B29-F687-4f45-9708-019B960494DF}">
-                <a14:hiddenLine xmlns="" xmlns:a16="http://schemas.microsoft.com/office/drawing/2014/main" xmlns:a14="http://schemas.microsoft.com/office/drawing/2010/main" xmlns:p14="http://schemas.microsoft.com/office/powerpoint/2010/main" w="9525">
+                <a14:hiddenLine xmlns:p14="http://schemas.microsoft.com/office/powerpoint/2010/main" xmlns:a14="http://schemas.microsoft.com/office/drawing/2010/main" xmlns:a16="http://schemas.microsoft.com/office/drawing/2014/main" xmlns="" w="9525">
                   <a:solidFill>
                     <a:srgbClr val="000000"/>
                   </a:solidFill>
@@ -15531,7 +16890,7 @@
             </a:ln>
             <a:extLst>
               <a:ext uri="{91240B29-F687-4f45-9708-019B960494DF}">
-                <a14:hiddenLine xmlns="" xmlns:a16="http://schemas.microsoft.com/office/drawing/2014/main" xmlns:a14="http://schemas.microsoft.com/office/drawing/2010/main" xmlns:p14="http://schemas.microsoft.com/office/powerpoint/2010/main" w="9525">
+                <a14:hiddenLine xmlns:p14="http://schemas.microsoft.com/office/powerpoint/2010/main" xmlns:a14="http://schemas.microsoft.com/office/drawing/2010/main" xmlns:a16="http://schemas.microsoft.com/office/drawing/2014/main" xmlns="" w="9525">
                   <a:solidFill>
                     <a:srgbClr val="000000"/>
                   </a:solidFill>
@@ -15614,7 +16973,7 @@
             </a:ln>
             <a:extLst>
               <a:ext uri="{91240B29-F687-4f45-9708-019B960494DF}">
-                <a14:hiddenLine xmlns="" xmlns:a16="http://schemas.microsoft.com/office/drawing/2014/main" xmlns:a14="http://schemas.microsoft.com/office/drawing/2010/main" xmlns:p14="http://schemas.microsoft.com/office/powerpoint/2010/main" w="9525">
+                <a14:hiddenLine xmlns:p14="http://schemas.microsoft.com/office/powerpoint/2010/main" xmlns:a14="http://schemas.microsoft.com/office/drawing/2010/main" xmlns:a16="http://schemas.microsoft.com/office/drawing/2014/main" xmlns="" w="9525">
                   <a:solidFill>
                     <a:srgbClr val="000000"/>
                   </a:solidFill>
@@ -15719,7 +17078,7 @@
             </a:ln>
             <a:extLst>
               <a:ext uri="{91240B29-F687-4f45-9708-019B960494DF}">
-                <a14:hiddenLine xmlns="" xmlns:a16="http://schemas.microsoft.com/office/drawing/2014/main" xmlns:a14="http://schemas.microsoft.com/office/drawing/2010/main" xmlns:p14="http://schemas.microsoft.com/office/powerpoint/2010/main" w="9525">
+                <a14:hiddenLine xmlns:p14="http://schemas.microsoft.com/office/powerpoint/2010/main" xmlns:a14="http://schemas.microsoft.com/office/drawing/2010/main" xmlns:a16="http://schemas.microsoft.com/office/drawing/2014/main" xmlns="" w="9525">
                   <a:solidFill>
                     <a:srgbClr val="000000"/>
                   </a:solidFill>
@@ -15768,7 +17127,7 @@
             </a:ln>
             <a:extLst>
               <a:ext uri="{91240B29-F687-4f45-9708-019B960494DF}">
-                <a14:hiddenLine xmlns="" xmlns:a16="http://schemas.microsoft.com/office/drawing/2014/main" xmlns:a14="http://schemas.microsoft.com/office/drawing/2010/main" xmlns:p14="http://schemas.microsoft.com/office/powerpoint/2010/main" w="9525">
+                <a14:hiddenLine xmlns:p14="http://schemas.microsoft.com/office/powerpoint/2010/main" xmlns:a14="http://schemas.microsoft.com/office/drawing/2010/main" xmlns:a16="http://schemas.microsoft.com/office/drawing/2014/main" xmlns="" w="9525">
                   <a:solidFill>
                     <a:srgbClr val="000000"/>
                   </a:solidFill>
@@ -15873,7 +17232,7 @@
             </a:ln>
             <a:extLst>
               <a:ext uri="{91240B29-F687-4f45-9708-019B960494DF}">
-                <a14:hiddenLine xmlns="" xmlns:a16="http://schemas.microsoft.com/office/drawing/2014/main" xmlns:a14="http://schemas.microsoft.com/office/drawing/2010/main" xmlns:p14="http://schemas.microsoft.com/office/powerpoint/2010/main" w="9525">
+                <a14:hiddenLine xmlns:p14="http://schemas.microsoft.com/office/powerpoint/2010/main" xmlns:a14="http://schemas.microsoft.com/office/drawing/2010/main" xmlns:a16="http://schemas.microsoft.com/office/drawing/2014/main" xmlns="" w="9525">
                   <a:solidFill>
                     <a:srgbClr val="000000"/>
                   </a:solidFill>
@@ -15950,7 +17309,7 @@
             </a:ln>
             <a:extLst>
               <a:ext uri="{91240B29-F687-4f45-9708-019B960494DF}">
-                <a14:hiddenLine xmlns="" xmlns:a16="http://schemas.microsoft.com/office/drawing/2014/main" xmlns:a14="http://schemas.microsoft.com/office/drawing/2010/main" xmlns:p14="http://schemas.microsoft.com/office/powerpoint/2010/main" w="9525">
+                <a14:hiddenLine xmlns:p14="http://schemas.microsoft.com/office/powerpoint/2010/main" xmlns:a14="http://schemas.microsoft.com/office/drawing/2010/main" xmlns:a16="http://schemas.microsoft.com/office/drawing/2014/main" xmlns="" w="9525">
                   <a:solidFill>
                     <a:srgbClr val="000000"/>
                   </a:solidFill>
@@ -16027,7 +17386,7 @@
             </a:ln>
             <a:extLst>
               <a:ext uri="{91240B29-F687-4f45-9708-019B960494DF}">
-                <a14:hiddenLine xmlns="" xmlns:a16="http://schemas.microsoft.com/office/drawing/2014/main" xmlns:a14="http://schemas.microsoft.com/office/drawing/2010/main" xmlns:p14="http://schemas.microsoft.com/office/powerpoint/2010/main" w="9525">
+                <a14:hiddenLine xmlns:p14="http://schemas.microsoft.com/office/powerpoint/2010/main" xmlns:a14="http://schemas.microsoft.com/office/drawing/2010/main" xmlns:a16="http://schemas.microsoft.com/office/drawing/2014/main" xmlns="" w="9525">
                   <a:solidFill>
                     <a:srgbClr val="000000"/>
                   </a:solidFill>
@@ -16132,7 +17491,7 @@
             </a:ln>
             <a:extLst>
               <a:ext uri="{91240B29-F687-4f45-9708-019B960494DF}">
-                <a14:hiddenLine xmlns="" xmlns:a16="http://schemas.microsoft.com/office/drawing/2014/main" xmlns:a14="http://schemas.microsoft.com/office/drawing/2010/main" xmlns:p14="http://schemas.microsoft.com/office/powerpoint/2010/main" w="9525">
+                <a14:hiddenLine xmlns:p14="http://schemas.microsoft.com/office/powerpoint/2010/main" xmlns:a14="http://schemas.microsoft.com/office/drawing/2010/main" xmlns:a16="http://schemas.microsoft.com/office/drawing/2014/main" xmlns="" w="9525">
                   <a:solidFill>
                     <a:srgbClr val="000000"/>
                   </a:solidFill>
@@ -16215,7 +17574,7 @@
             </a:ln>
             <a:extLst>
               <a:ext uri="{91240B29-F687-4f45-9708-019B960494DF}">
-                <a14:hiddenLine xmlns="" xmlns:a16="http://schemas.microsoft.com/office/drawing/2014/main" xmlns:a14="http://schemas.microsoft.com/office/drawing/2010/main" xmlns:p14="http://schemas.microsoft.com/office/powerpoint/2010/main" w="9525">
+                <a14:hiddenLine xmlns:p14="http://schemas.microsoft.com/office/powerpoint/2010/main" xmlns:a14="http://schemas.microsoft.com/office/drawing/2010/main" xmlns:a16="http://schemas.microsoft.com/office/drawing/2014/main" xmlns="" w="9525">
                   <a:solidFill>
                     <a:srgbClr val="000000"/>
                   </a:solidFill>
@@ -16292,7 +17651,7 @@
             </a:ln>
             <a:extLst>
               <a:ext uri="{91240B29-F687-4f45-9708-019B960494DF}">
-                <a14:hiddenLine xmlns="" xmlns:a16="http://schemas.microsoft.com/office/drawing/2014/main" xmlns:a14="http://schemas.microsoft.com/office/drawing/2010/main" xmlns:p14="http://schemas.microsoft.com/office/powerpoint/2010/main" w="9525">
+                <a14:hiddenLine xmlns:p14="http://schemas.microsoft.com/office/powerpoint/2010/main" xmlns:a14="http://schemas.microsoft.com/office/drawing/2010/main" xmlns:a16="http://schemas.microsoft.com/office/drawing/2014/main" xmlns="" w="9525">
                   <a:solidFill>
                     <a:srgbClr val="000000"/>
                   </a:solidFill>
@@ -16397,7 +17756,7 @@
             </a:ln>
             <a:extLst>
               <a:ext uri="{91240B29-F687-4f45-9708-019B960494DF}">
-                <a14:hiddenLine xmlns="" xmlns:a16="http://schemas.microsoft.com/office/drawing/2014/main" xmlns:a14="http://schemas.microsoft.com/office/drawing/2010/main" xmlns:p14="http://schemas.microsoft.com/office/powerpoint/2010/main" w="9525">
+                <a14:hiddenLine xmlns:p14="http://schemas.microsoft.com/office/powerpoint/2010/main" xmlns:a14="http://schemas.microsoft.com/office/drawing/2010/main" xmlns:a16="http://schemas.microsoft.com/office/drawing/2014/main" xmlns="" w="9525">
                   <a:solidFill>
                     <a:srgbClr val="000000"/>
                   </a:solidFill>
@@ -16474,7 +17833,7 @@
             </a:ln>
             <a:extLst>
               <a:ext uri="{91240B29-F687-4f45-9708-019B960494DF}">
-                <a14:hiddenLine xmlns="" xmlns:a16="http://schemas.microsoft.com/office/drawing/2014/main" xmlns:a14="http://schemas.microsoft.com/office/drawing/2010/main" xmlns:p14="http://schemas.microsoft.com/office/powerpoint/2010/main" w="9525">
+                <a14:hiddenLine xmlns:p14="http://schemas.microsoft.com/office/powerpoint/2010/main" xmlns:a14="http://schemas.microsoft.com/office/drawing/2010/main" xmlns:a16="http://schemas.microsoft.com/office/drawing/2014/main" xmlns="" w="9525">
                   <a:solidFill>
                     <a:srgbClr val="000000"/>
                   </a:solidFill>
@@ -16579,7 +17938,7 @@
             </a:ln>
             <a:extLst>
               <a:ext uri="{91240B29-F687-4f45-9708-019B960494DF}">
-                <a14:hiddenLine xmlns="" xmlns:a16="http://schemas.microsoft.com/office/drawing/2014/main" xmlns:a14="http://schemas.microsoft.com/office/drawing/2010/main" xmlns:p14="http://schemas.microsoft.com/office/powerpoint/2010/main" w="9525">
+                <a14:hiddenLine xmlns:p14="http://schemas.microsoft.com/office/powerpoint/2010/main" xmlns:a14="http://schemas.microsoft.com/office/drawing/2010/main" xmlns:a16="http://schemas.microsoft.com/office/drawing/2014/main" xmlns="" w="9525">
                   <a:solidFill>
                     <a:srgbClr val="000000"/>
                   </a:solidFill>
@@ -16656,7 +18015,7 @@
             </a:ln>
             <a:extLst>
               <a:ext uri="{91240B29-F687-4f45-9708-019B960494DF}">
-                <a14:hiddenLine xmlns="" xmlns:a16="http://schemas.microsoft.com/office/drawing/2014/main" xmlns:a14="http://schemas.microsoft.com/office/drawing/2010/main" xmlns:p14="http://schemas.microsoft.com/office/powerpoint/2010/main" w="9525">
+                <a14:hiddenLine xmlns:p14="http://schemas.microsoft.com/office/powerpoint/2010/main" xmlns:a14="http://schemas.microsoft.com/office/drawing/2010/main" xmlns:a16="http://schemas.microsoft.com/office/drawing/2014/main" xmlns="" w="9525">
                   <a:solidFill>
                     <a:srgbClr val="000000"/>
                   </a:solidFill>
@@ -16761,7 +18120,7 @@
             </a:ln>
             <a:extLst>
               <a:ext uri="{91240B29-F687-4f45-9708-019B960494DF}">
-                <a14:hiddenLine xmlns="" xmlns:a16="http://schemas.microsoft.com/office/drawing/2014/main" xmlns:a14="http://schemas.microsoft.com/office/drawing/2010/main" xmlns:p14="http://schemas.microsoft.com/office/powerpoint/2010/main" w="9525">
+                <a14:hiddenLine xmlns:p14="http://schemas.microsoft.com/office/powerpoint/2010/main" xmlns:a14="http://schemas.microsoft.com/office/drawing/2010/main" xmlns:a16="http://schemas.microsoft.com/office/drawing/2014/main" xmlns="" w="9525">
                   <a:solidFill>
                     <a:srgbClr val="000000"/>
                   </a:solidFill>
@@ -16810,7 +18169,7 @@
             </a:ln>
             <a:extLst>
               <a:ext uri="{91240B29-F687-4f45-9708-019B960494DF}">
-                <a14:hiddenLine xmlns="" xmlns:a16="http://schemas.microsoft.com/office/drawing/2014/main" xmlns:a14="http://schemas.microsoft.com/office/drawing/2010/main" xmlns:p14="http://schemas.microsoft.com/office/powerpoint/2010/main" w="9525">
+                <a14:hiddenLine xmlns:p14="http://schemas.microsoft.com/office/powerpoint/2010/main" xmlns:a14="http://schemas.microsoft.com/office/drawing/2010/main" xmlns:a16="http://schemas.microsoft.com/office/drawing/2014/main" xmlns="" w="9525">
                   <a:solidFill>
                     <a:srgbClr val="000000"/>
                   </a:solidFill>
@@ -16890,7 +18249,7 @@
             </a:ln>
             <a:extLst>
               <a:ext uri="{91240B29-F687-4f45-9708-019B960494DF}">
-                <a14:hiddenLine xmlns="" xmlns:a16="http://schemas.microsoft.com/office/drawing/2014/main" xmlns:a14="http://schemas.microsoft.com/office/drawing/2010/main" xmlns:p14="http://schemas.microsoft.com/office/powerpoint/2010/main" w="9525">
+                <a14:hiddenLine xmlns:p14="http://schemas.microsoft.com/office/powerpoint/2010/main" xmlns:a14="http://schemas.microsoft.com/office/drawing/2010/main" xmlns:a16="http://schemas.microsoft.com/office/drawing/2014/main" xmlns="" w="9525">
                   <a:solidFill>
                     <a:srgbClr val="000000"/>
                   </a:solidFill>
@@ -16995,7 +18354,7 @@
             </a:ln>
             <a:extLst>
               <a:ext uri="{91240B29-F687-4f45-9708-019B960494DF}">
-                <a14:hiddenLine xmlns="" xmlns:a16="http://schemas.microsoft.com/office/drawing/2014/main" xmlns:a14="http://schemas.microsoft.com/office/drawing/2010/main" xmlns:p14="http://schemas.microsoft.com/office/powerpoint/2010/main" w="9525">
+                <a14:hiddenLine xmlns:p14="http://schemas.microsoft.com/office/powerpoint/2010/main" xmlns:a14="http://schemas.microsoft.com/office/drawing/2010/main" xmlns:a16="http://schemas.microsoft.com/office/drawing/2014/main" xmlns="" w="9525">
                   <a:solidFill>
                     <a:srgbClr val="000000"/>
                   </a:solidFill>
@@ -17072,7 +18431,7 @@
             </a:ln>
             <a:extLst>
               <a:ext uri="{91240B29-F687-4f45-9708-019B960494DF}">
-                <a14:hiddenLine xmlns="" xmlns:a16="http://schemas.microsoft.com/office/drawing/2014/main" xmlns:a14="http://schemas.microsoft.com/office/drawing/2010/main" xmlns:p14="http://schemas.microsoft.com/office/powerpoint/2010/main" w="9525">
+                <a14:hiddenLine xmlns:p14="http://schemas.microsoft.com/office/powerpoint/2010/main" xmlns:a14="http://schemas.microsoft.com/office/drawing/2010/main" xmlns:a16="http://schemas.microsoft.com/office/drawing/2014/main" xmlns="" w="9525">
                   <a:solidFill>
                     <a:srgbClr val="000000"/>
                   </a:solidFill>
@@ -17177,7 +18536,7 @@
             </a:ln>
             <a:extLst>
               <a:ext uri="{91240B29-F687-4f45-9708-019B960494DF}">
-                <a14:hiddenLine xmlns="" xmlns:a16="http://schemas.microsoft.com/office/drawing/2014/main" xmlns:a14="http://schemas.microsoft.com/office/drawing/2010/main" xmlns:p14="http://schemas.microsoft.com/office/powerpoint/2010/main" w="9525">
+                <a14:hiddenLine xmlns:p14="http://schemas.microsoft.com/office/powerpoint/2010/main" xmlns:a14="http://schemas.microsoft.com/office/drawing/2010/main" xmlns:a16="http://schemas.microsoft.com/office/drawing/2014/main" xmlns="" w="9525">
                   <a:solidFill>
                     <a:srgbClr val="000000"/>
                   </a:solidFill>
@@ -17282,7 +18641,7 @@
             </a:ln>
             <a:extLst>
               <a:ext uri="{91240B29-F687-4f45-9708-019B960494DF}">
-                <a14:hiddenLine xmlns="" xmlns:a16="http://schemas.microsoft.com/office/drawing/2014/main" xmlns:a14="http://schemas.microsoft.com/office/drawing/2010/main" xmlns:p14="http://schemas.microsoft.com/office/powerpoint/2010/main" w="9525">
+                <a14:hiddenLine xmlns:p14="http://schemas.microsoft.com/office/powerpoint/2010/main" xmlns:a14="http://schemas.microsoft.com/office/drawing/2010/main" xmlns:a16="http://schemas.microsoft.com/office/drawing/2014/main" xmlns="" w="9525">
                   <a:solidFill>
                     <a:srgbClr val="000000"/>
                   </a:solidFill>
@@ -17362,7 +18721,7 @@
             </a:ln>
             <a:extLst>
               <a:ext uri="{91240B29-F687-4f45-9708-019B960494DF}">
-                <a14:hiddenLine xmlns="" xmlns:a16="http://schemas.microsoft.com/office/drawing/2014/main" xmlns:a14="http://schemas.microsoft.com/office/drawing/2010/main" xmlns:p14="http://schemas.microsoft.com/office/powerpoint/2010/main" w="9525">
+                <a14:hiddenLine xmlns:p14="http://schemas.microsoft.com/office/powerpoint/2010/main" xmlns:a14="http://schemas.microsoft.com/office/drawing/2010/main" xmlns:a16="http://schemas.microsoft.com/office/drawing/2014/main" xmlns="" w="9525">
                   <a:solidFill>
                     <a:srgbClr val="000000"/>
                   </a:solidFill>
@@ -17439,7 +18798,7 @@
             </a:ln>
             <a:extLst>
               <a:ext uri="{91240B29-F687-4f45-9708-019B960494DF}">
-                <a14:hiddenLine xmlns="" xmlns:a16="http://schemas.microsoft.com/office/drawing/2014/main" xmlns:a14="http://schemas.microsoft.com/office/drawing/2010/main" xmlns:p14="http://schemas.microsoft.com/office/powerpoint/2010/main" w="9525">
+                <a14:hiddenLine xmlns:p14="http://schemas.microsoft.com/office/powerpoint/2010/main" xmlns:a14="http://schemas.microsoft.com/office/drawing/2010/main" xmlns:a16="http://schemas.microsoft.com/office/drawing/2014/main" xmlns="" w="9525">
                   <a:solidFill>
                     <a:srgbClr val="000000"/>
                   </a:solidFill>
@@ -17544,7 +18903,7 @@
             </a:ln>
             <a:extLst>
               <a:ext uri="{91240B29-F687-4f45-9708-019B960494DF}">
-                <a14:hiddenLine xmlns="" xmlns:a16="http://schemas.microsoft.com/office/drawing/2014/main" xmlns:a14="http://schemas.microsoft.com/office/drawing/2010/main" xmlns:p14="http://schemas.microsoft.com/office/powerpoint/2010/main" w="9525">
+                <a14:hiddenLine xmlns:p14="http://schemas.microsoft.com/office/powerpoint/2010/main" xmlns:a14="http://schemas.microsoft.com/office/drawing/2010/main" xmlns:a16="http://schemas.microsoft.com/office/drawing/2014/main" xmlns="" w="9525">
                   <a:solidFill>
                     <a:srgbClr val="000000"/>
                   </a:solidFill>
@@ -17649,7 +19008,7 @@
             </a:ln>
             <a:extLst>
               <a:ext uri="{91240B29-F687-4f45-9708-019B960494DF}">
-                <a14:hiddenLine xmlns="" xmlns:a16="http://schemas.microsoft.com/office/drawing/2014/main" xmlns:a14="http://schemas.microsoft.com/office/drawing/2010/main" xmlns:p14="http://schemas.microsoft.com/office/powerpoint/2010/main" w="9525">
+                <a14:hiddenLine xmlns:p14="http://schemas.microsoft.com/office/powerpoint/2010/main" xmlns:a14="http://schemas.microsoft.com/office/drawing/2010/main" xmlns:a16="http://schemas.microsoft.com/office/drawing/2014/main" xmlns="" w="9525">
                   <a:solidFill>
                     <a:srgbClr val="000000"/>
                   </a:solidFill>
@@ -17726,7 +19085,7 @@
             </a:ln>
             <a:extLst>
               <a:ext uri="{91240B29-F687-4f45-9708-019B960494DF}">
-                <a14:hiddenLine xmlns="" xmlns:a16="http://schemas.microsoft.com/office/drawing/2014/main" xmlns:a14="http://schemas.microsoft.com/office/drawing/2010/main" xmlns:p14="http://schemas.microsoft.com/office/powerpoint/2010/main" w="9525">
+                <a14:hiddenLine xmlns:p14="http://schemas.microsoft.com/office/powerpoint/2010/main" xmlns:a14="http://schemas.microsoft.com/office/drawing/2010/main" xmlns:a16="http://schemas.microsoft.com/office/drawing/2014/main" xmlns="" w="9525">
                   <a:solidFill>
                     <a:srgbClr val="000000"/>
                   </a:solidFill>
@@ -17861,7 +19220,7 @@
             </a:ln>
             <a:extLst>
               <a:ext uri="{91240B29-F687-4f45-9708-019B960494DF}">
-                <a14:hiddenLine xmlns="" xmlns:a16="http://schemas.microsoft.com/office/drawing/2014/main" xmlns:a14="http://schemas.microsoft.com/office/drawing/2010/main" xmlns:p14="http://schemas.microsoft.com/office/powerpoint/2010/main" w="9525">
+                <a14:hiddenLine xmlns:p14="http://schemas.microsoft.com/office/powerpoint/2010/main" xmlns:a14="http://schemas.microsoft.com/office/drawing/2010/main" xmlns:a16="http://schemas.microsoft.com/office/drawing/2014/main" xmlns="" w="9525">
                   <a:solidFill>
                     <a:srgbClr val="000000"/>
                   </a:solidFill>
@@ -17944,7 +19303,7 @@
             </a:ln>
             <a:extLst>
               <a:ext uri="{91240B29-F687-4f45-9708-019B960494DF}">
-                <a14:hiddenLine xmlns="" xmlns:a16="http://schemas.microsoft.com/office/drawing/2014/main" xmlns:a14="http://schemas.microsoft.com/office/drawing/2010/main" xmlns:p14="http://schemas.microsoft.com/office/powerpoint/2010/main" w="9525">
+                <a14:hiddenLine xmlns:p14="http://schemas.microsoft.com/office/powerpoint/2010/main" xmlns:a14="http://schemas.microsoft.com/office/drawing/2010/main" xmlns:a16="http://schemas.microsoft.com/office/drawing/2014/main" xmlns="" w="9525">
                   <a:solidFill>
                     <a:srgbClr val="000000"/>
                   </a:solidFill>
@@ -18049,7 +19408,7 @@
             </a:ln>
             <a:extLst>
               <a:ext uri="{91240B29-F687-4f45-9708-019B960494DF}">
-                <a14:hiddenLine xmlns="" xmlns:a16="http://schemas.microsoft.com/office/drawing/2014/main" xmlns:a14="http://schemas.microsoft.com/office/drawing/2010/main" xmlns:p14="http://schemas.microsoft.com/office/powerpoint/2010/main" w="9525">
+                <a14:hiddenLine xmlns:p14="http://schemas.microsoft.com/office/powerpoint/2010/main" xmlns:a14="http://schemas.microsoft.com/office/drawing/2010/main" xmlns:a16="http://schemas.microsoft.com/office/drawing/2014/main" xmlns="" w="9525">
                   <a:solidFill>
                     <a:srgbClr val="000000"/>
                   </a:solidFill>
@@ -18263,10 +19622,10 @@
       </p:grpSpPr>
       <p:sp>
         <p:nvSpPr>
-          <p:cNvPr id="81" name="Round Diagonal Corner Rectangle 9">
+          <p:cNvPr id="71" name="Round Diagonal Corner Rectangle 11">
             <a:extLst>
               <a:ext uri="{FF2B5EF4-FFF2-40B4-BE49-F238E27FC236}">
-                <a16:creationId xmlns:a16="http://schemas.microsoft.com/office/drawing/2014/main" id="{C16B00BF-AF6E-430A-80B1-9D3C7894168C}"/>
+                <a16:creationId xmlns:a16="http://schemas.microsoft.com/office/drawing/2014/main" id="{E4B7B3E3-827A-48BE-AD67-A57C45AA6949}"/>
               </a:ext>
               <a:ext uri="{C183D7F6-B498-43B3-948B-1728B52AA6E4}">
                 <adec:decorative xmlns:adec="http://schemas.microsoft.com/office/drawing/2017/decorative" val="1"/>
@@ -18286,8 +19645,8 @@
         </p:nvSpPr>
         <p:spPr>
           <a:xfrm>
-            <a:off x="798950" y="808057"/>
-            <a:ext cx="5286376" cy="5234394"/>
+            <a:off x="798949" y="808057"/>
+            <a:ext cx="6752461" cy="5234394"/>
           </a:xfrm>
           <a:prstGeom prst="round2DiagRect">
             <a:avLst>
@@ -18343,70 +19702,56 @@
       </p:sp>
       <p:pic>
         <p:nvPicPr>
-          <p:cNvPr id="4" name="Content Placeholder 3">
+          <p:cNvPr id="1026" name="Picture 2">
             <a:extLst>
               <a:ext uri="{FF2B5EF4-FFF2-40B4-BE49-F238E27FC236}">
-                <a16:creationId xmlns:a16="http://schemas.microsoft.com/office/drawing/2014/main" id="{61771133-00A5-44DC-9CDD-5B12B732201A}"/>
+                <a16:creationId xmlns:a16="http://schemas.microsoft.com/office/drawing/2014/main" id="{CC600977-7827-4783-A44B-2EADA027342F}"/>
               </a:ext>
             </a:extLst>
           </p:cNvPr>
           <p:cNvPicPr>
-            <a:picLocks noChangeAspect="1"/>
+            <a:picLocks noChangeAspect="1" noChangeArrowheads="1"/>
           </p:cNvPicPr>
           <p:nvPr/>
         </p:nvPicPr>
         <p:blipFill>
-          <a:blip r:embed="rId3"/>
+          <a:blip r:embed="rId3">
+            <a:extLst>
+              <a:ext uri="{28A0092B-C50C-407E-A947-70E740481C1C}">
+                <a14:useLocalDpi xmlns:a14="http://schemas.microsoft.com/office/drawing/2010/main" val="0"/>
+              </a:ext>
+            </a:extLst>
+          </a:blip>
           <a:stretch>
             <a:fillRect/>
           </a:stretch>
         </p:blipFill>
-        <p:spPr>
+        <p:spPr bwMode="auto">
           <a:xfrm>
-            <a:off x="1118988" y="1241826"/>
-            <a:ext cx="4635583" cy="2012230"/>
+            <a:off x="1118988" y="1902708"/>
+            <a:ext cx="6112382" cy="3047122"/>
           </a:xfrm>
           <a:prstGeom prst="rect">
             <a:avLst/>
           </a:prstGeom>
-        </p:spPr>
-      </p:pic>
-      <p:pic>
-        <p:nvPicPr>
-          <p:cNvPr id="5" name="Picture 4">
-            <a:extLst>
-              <a:ext uri="{FF2B5EF4-FFF2-40B4-BE49-F238E27FC236}">
-                <a16:creationId xmlns:a16="http://schemas.microsoft.com/office/drawing/2014/main" id="{C891EA96-939E-4B42-AD36-C628DD454592}"/>
-              </a:ext>
-            </a:extLst>
-          </p:cNvPr>
-          <p:cNvPicPr>
-            <a:picLocks noChangeAspect="1"/>
-          </p:cNvPicPr>
-          <p:nvPr/>
-        </p:nvPicPr>
-        <p:blipFill>
-          <a:blip r:embed="rId4"/>
-          <a:stretch>
-            <a:fillRect/>
-          </a:stretch>
-        </p:blipFill>
-        <p:spPr>
-          <a:xfrm>
-            <a:off x="1118988" y="3840084"/>
-            <a:ext cx="4635583" cy="1548077"/>
-          </a:xfrm>
-          <a:prstGeom prst="rect">
-            <a:avLst/>
-          </a:prstGeom>
+          <a:noFill/>
+          <a:extLst>
+            <a:ext uri="{909E8E84-426E-40DD-AFC4-6F175D3DCCD1}">
+              <a14:hiddenFill xmlns:a14="http://schemas.microsoft.com/office/drawing/2010/main">
+                <a:solidFill>
+                  <a:srgbClr val="FFFFFF"/>
+                </a:solidFill>
+              </a14:hiddenFill>
+            </a:ext>
+          </a:extLst>
         </p:spPr>
       </p:pic>
       <p:sp>
         <p:nvSpPr>
-          <p:cNvPr id="9" name="Content Placeholder 8">
+          <p:cNvPr id="3" name="Content Placeholder 2">
             <a:extLst>
               <a:ext uri="{FF2B5EF4-FFF2-40B4-BE49-F238E27FC236}">
-                <a16:creationId xmlns:a16="http://schemas.microsoft.com/office/drawing/2014/main" id="{75ED46E6-C98C-41FC-A806-F745BE3CF892}"/>
+                <a16:creationId xmlns:a16="http://schemas.microsoft.com/office/drawing/2014/main" id="{9BEBD3B6-FE8C-4C6F-AD66-E11B7A852C08}"/>
               </a:ext>
             </a:extLst>
           </p:cNvPr>
@@ -18419,8 +19764,8 @@
         </p:nvSpPr>
         <p:spPr>
           <a:xfrm>
-            <a:off x="7037317" y="2940367"/>
-            <a:ext cx="4747087" cy="2038033"/>
+            <a:off x="8086841" y="2854960"/>
+            <a:ext cx="3739399" cy="1148080"/>
           </a:xfrm>
         </p:spPr>
         <p:txBody>
@@ -18429,9 +19774,12 @@
           </a:bodyPr>
           <a:lstStyle/>
           <a:p>
+            <a:pPr marL="0" indent="0">
+              <a:buNone/>
+            </a:pPr>
             <a:r>
-              <a:rPr lang="en-US" dirty="0"/>
-              <a:t>The course menu and the operations inside the course. </a:t>
+              <a:rPr lang="en-US" sz="3600" dirty="0"/>
+              <a:t>Created courses. </a:t>
             </a:r>
           </a:p>
         </p:txBody>
@@ -18439,7 +19787,443 @@
     </p:spTree>
     <p:extLst>
       <p:ext uri="{BB962C8B-B14F-4D97-AF65-F5344CB8AC3E}">
-        <p14:creationId xmlns:p14="http://schemas.microsoft.com/office/powerpoint/2010/main" val="1818082226"/>
+        <p14:creationId xmlns:p14="http://schemas.microsoft.com/office/powerpoint/2010/main" val="3719381388"/>
+      </p:ext>
+    </p:extLst>
+  </p:cSld>
+  <p:clrMapOvr>
+    <a:masterClrMapping/>
+  </p:clrMapOvr>
+</p:sld>
+</file>
+
+<file path=ppt/slides/slide8.xml><?xml version="1.0" encoding="utf-8"?>
+<p:sld xmlns:a="http://schemas.openxmlformats.org/drawingml/2006/main" xmlns:r="http://schemas.openxmlformats.org/officeDocument/2006/relationships" xmlns:p="http://schemas.openxmlformats.org/presentationml/2006/main">
+  <p:cSld>
+    <p:bg>
+      <p:bgPr>
+        <a:blipFill>
+          <a:blip r:embed="rId2">
+            <a:duotone>
+              <a:schemeClr val="bg2">
+                <a:shade val="48000"/>
+                <a:hueMod val="106000"/>
+                <a:satMod val="140000"/>
+                <a:lumMod val="42000"/>
+              </a:schemeClr>
+              <a:schemeClr val="bg2">
+                <a:tint val="98000"/>
+                <a:hueMod val="92000"/>
+                <a:satMod val="220000"/>
+                <a:lumMod val="90000"/>
+              </a:schemeClr>
+            </a:duotone>
+          </a:blip>
+          <a:stretch/>
+        </a:blipFill>
+        <a:effectLst/>
+      </p:bgPr>
+    </p:bg>
+    <p:spTree>
+      <p:nvGrpSpPr>
+        <p:cNvPr id="1" name=""/>
+        <p:cNvGrpSpPr/>
+        <p:nvPr/>
+      </p:nvGrpSpPr>
+      <p:grpSpPr>
+        <a:xfrm>
+          <a:off x="0" y="0"/>
+          <a:ext cx="0" cy="0"/>
+          <a:chOff x="0" y="0"/>
+          <a:chExt cx="0" cy="0"/>
+        </a:xfrm>
+      </p:grpSpPr>
+      <p:sp>
+        <p:nvSpPr>
+          <p:cNvPr id="71" name="Round Diagonal Corner Rectangle 11">
+            <a:extLst>
+              <a:ext uri="{FF2B5EF4-FFF2-40B4-BE49-F238E27FC236}">
+                <a16:creationId xmlns:a16="http://schemas.microsoft.com/office/drawing/2014/main" id="{E4B7B3E3-827A-48BE-AD67-A57C45AA6949}"/>
+              </a:ext>
+              <a:ext uri="{C183D7F6-B498-43B3-948B-1728B52AA6E4}">
+                <adec:decorative xmlns:adec="http://schemas.microsoft.com/office/drawing/2017/decorative" val="1"/>
+              </a:ext>
+            </a:extLst>
+          </p:cNvPr>
+          <p:cNvSpPr>
+            <a:spLocks noGrp="1" noRot="1" noChangeAspect="1" noMove="1" noResize="1" noEditPoints="1" noAdjustHandles="1" noChangeArrowheads="1" noChangeShapeType="1" noTextEdit="1"/>
+          </p:cNvSpPr>
+          <p:nvPr>
+            <p:extLst>
+              <p:ext uri="{386F3935-93C4-4BCD-93E2-E3B085C9AB24}">
+                <p16:designElem xmlns:p16="http://schemas.microsoft.com/office/powerpoint/2015/main" val="1"/>
+              </p:ext>
+            </p:extLst>
+          </p:nvPr>
+        </p:nvSpPr>
+        <p:spPr>
+          <a:xfrm>
+            <a:off x="798949" y="808057"/>
+            <a:ext cx="6752461" cy="5234394"/>
+          </a:xfrm>
+          <a:prstGeom prst="round2DiagRect">
+            <a:avLst>
+              <a:gd name="adj1" fmla="val 7418"/>
+              <a:gd name="adj2" fmla="val 0"/>
+            </a:avLst>
+          </a:prstGeom>
+          <a:solidFill>
+            <a:srgbClr val="FFFFFF"/>
+          </a:solidFill>
+          <a:ln w="19050" cap="sq">
+            <a:solidFill>
+              <a:schemeClr val="tx2">
+                <a:lumMod val="60000"/>
+                <a:lumOff val="40000"/>
+                <a:alpha val="60000"/>
+              </a:schemeClr>
+            </a:solidFill>
+            <a:miter lim="800000"/>
+          </a:ln>
+          <a:effectLst>
+            <a:outerShdw blurRad="88900" dist="38100" dir="5400000" algn="t" rotWithShape="0">
+              <a:prstClr val="black">
+                <a:alpha val="40000"/>
+              </a:prstClr>
+            </a:outerShdw>
+          </a:effectLst>
+        </p:spPr>
+        <p:style>
+          <a:lnRef idx="2">
+            <a:schemeClr val="accent1">
+              <a:shade val="50000"/>
+            </a:schemeClr>
+          </a:lnRef>
+          <a:fillRef idx="1">
+            <a:schemeClr val="accent1"/>
+          </a:fillRef>
+          <a:effectRef idx="0">
+            <a:schemeClr val="accent1"/>
+          </a:effectRef>
+          <a:fontRef idx="minor">
+            <a:schemeClr val="lt1"/>
+          </a:fontRef>
+        </p:style>
+        <p:txBody>
+          <a:bodyPr rtlCol="0" anchor="ctr"/>
+          <a:lstStyle/>
+          <a:p>
+            <a:pPr algn="ctr"/>
+            <a:endParaRPr lang="en-US"/>
+          </a:p>
+        </p:txBody>
+      </p:sp>
+      <p:pic>
+        <p:nvPicPr>
+          <p:cNvPr id="2050" name="Picture 2">
+            <a:extLst>
+              <a:ext uri="{FF2B5EF4-FFF2-40B4-BE49-F238E27FC236}">
+                <a16:creationId xmlns:a16="http://schemas.microsoft.com/office/drawing/2014/main" id="{60A55AA6-CB29-4C80-8F3C-9CC63144188F}"/>
+              </a:ext>
+            </a:extLst>
+          </p:cNvPr>
+          <p:cNvPicPr>
+            <a:picLocks noChangeAspect="1" noChangeArrowheads="1"/>
+          </p:cNvPicPr>
+          <p:nvPr/>
+        </p:nvPicPr>
+        <p:blipFill>
+          <a:blip r:embed="rId3">
+            <a:extLst>
+              <a:ext uri="{28A0092B-C50C-407E-A947-70E740481C1C}">
+                <a14:useLocalDpi xmlns:a14="http://schemas.microsoft.com/office/drawing/2010/main" val="0"/>
+              </a:ext>
+            </a:extLst>
+          </a:blip>
+          <a:stretch>
+            <a:fillRect/>
+          </a:stretch>
+        </p:blipFill>
+        <p:spPr bwMode="auto">
+          <a:xfrm>
+            <a:off x="1118988" y="2371884"/>
+            <a:ext cx="6112382" cy="2108770"/>
+          </a:xfrm>
+          <a:prstGeom prst="rect">
+            <a:avLst/>
+          </a:prstGeom>
+          <a:noFill/>
+          <a:extLst>
+            <a:ext uri="{909E8E84-426E-40DD-AFC4-6F175D3DCCD1}">
+              <a14:hiddenFill xmlns:a14="http://schemas.microsoft.com/office/drawing/2010/main">
+                <a:solidFill>
+                  <a:srgbClr val="FFFFFF"/>
+                </a:solidFill>
+              </a14:hiddenFill>
+            </a:ext>
+          </a:extLst>
+        </p:spPr>
+      </p:pic>
+      <p:sp>
+        <p:nvSpPr>
+          <p:cNvPr id="3" name="Content Placeholder 2">
+            <a:extLst>
+              <a:ext uri="{FF2B5EF4-FFF2-40B4-BE49-F238E27FC236}">
+                <a16:creationId xmlns:a16="http://schemas.microsoft.com/office/drawing/2014/main" id="{A65952D5-1A78-4C5A-9553-007BB4411515}"/>
+              </a:ext>
+            </a:extLst>
+          </p:cNvPr>
+          <p:cNvSpPr>
+            <a:spLocks noGrp="1"/>
+          </p:cNvSpPr>
+          <p:nvPr>
+            <p:ph idx="1"/>
+          </p:nvPr>
+        </p:nvSpPr>
+        <p:spPr>
+          <a:xfrm>
+            <a:off x="7995401" y="2879407"/>
+            <a:ext cx="3281004" cy="3541714"/>
+          </a:xfrm>
+        </p:spPr>
+        <p:txBody>
+          <a:bodyPr>
+            <a:normAutofit/>
+          </a:bodyPr>
+          <a:lstStyle/>
+          <a:p>
+            <a:pPr marL="0" indent="0">
+              <a:buNone/>
+            </a:pPr>
+            <a:r>
+              <a:rPr lang="en-US" sz="4000" dirty="0"/>
+              <a:t>Inside a course </a:t>
+            </a:r>
+          </a:p>
+        </p:txBody>
+      </p:sp>
+    </p:spTree>
+    <p:extLst>
+      <p:ext uri="{BB962C8B-B14F-4D97-AF65-F5344CB8AC3E}">
+        <p14:creationId xmlns:p14="http://schemas.microsoft.com/office/powerpoint/2010/main" val="4237026329"/>
+      </p:ext>
+    </p:extLst>
+  </p:cSld>
+  <p:clrMapOvr>
+    <a:masterClrMapping/>
+  </p:clrMapOvr>
+</p:sld>
+</file>
+
+<file path=ppt/slides/slide9.xml><?xml version="1.0" encoding="utf-8"?>
+<p:sld xmlns:a="http://schemas.openxmlformats.org/drawingml/2006/main" xmlns:r="http://schemas.openxmlformats.org/officeDocument/2006/relationships" xmlns:p="http://schemas.openxmlformats.org/presentationml/2006/main">
+  <p:cSld>
+    <p:bg>
+      <p:bgPr>
+        <a:blipFill>
+          <a:blip r:embed="rId2">
+            <a:duotone>
+              <a:schemeClr val="bg2">
+                <a:shade val="48000"/>
+                <a:hueMod val="106000"/>
+                <a:satMod val="140000"/>
+                <a:lumMod val="42000"/>
+              </a:schemeClr>
+              <a:schemeClr val="bg2">
+                <a:tint val="98000"/>
+                <a:hueMod val="92000"/>
+                <a:satMod val="220000"/>
+                <a:lumMod val="90000"/>
+              </a:schemeClr>
+            </a:duotone>
+          </a:blip>
+          <a:stretch/>
+        </a:blipFill>
+        <a:effectLst/>
+      </p:bgPr>
+    </p:bg>
+    <p:spTree>
+      <p:nvGrpSpPr>
+        <p:cNvPr id="1" name=""/>
+        <p:cNvGrpSpPr/>
+        <p:nvPr/>
+      </p:nvGrpSpPr>
+      <p:grpSpPr>
+        <a:xfrm>
+          <a:off x="0" y="0"/>
+          <a:ext cx="0" cy="0"/>
+          <a:chOff x="0" y="0"/>
+          <a:chExt cx="0" cy="0"/>
+        </a:xfrm>
+      </p:grpSpPr>
+      <p:sp>
+        <p:nvSpPr>
+          <p:cNvPr id="73" name="Round Diagonal Corner Rectangle 11">
+            <a:extLst>
+              <a:ext uri="{FF2B5EF4-FFF2-40B4-BE49-F238E27FC236}">
+                <a16:creationId xmlns:a16="http://schemas.microsoft.com/office/drawing/2014/main" id="{E4B7B3E3-827A-48BE-AD67-A57C45AA6949}"/>
+              </a:ext>
+              <a:ext uri="{C183D7F6-B498-43B3-948B-1728B52AA6E4}">
+                <adec:decorative xmlns:adec="http://schemas.microsoft.com/office/drawing/2017/decorative" val="1"/>
+              </a:ext>
+            </a:extLst>
+          </p:cNvPr>
+          <p:cNvSpPr>
+            <a:spLocks noGrp="1" noRot="1" noChangeAspect="1" noMove="1" noResize="1" noEditPoints="1" noAdjustHandles="1" noChangeArrowheads="1" noChangeShapeType="1" noTextEdit="1"/>
+          </p:cNvSpPr>
+          <p:nvPr>
+            <p:extLst>
+              <p:ext uri="{386F3935-93C4-4BCD-93E2-E3B085C9AB24}">
+                <p16:designElem xmlns:p16="http://schemas.microsoft.com/office/powerpoint/2015/main" val="1"/>
+              </p:ext>
+            </p:extLst>
+          </p:nvPr>
+        </p:nvSpPr>
+        <p:spPr>
+          <a:xfrm>
+            <a:off x="798949" y="808057"/>
+            <a:ext cx="6752461" cy="5234394"/>
+          </a:xfrm>
+          <a:prstGeom prst="round2DiagRect">
+            <a:avLst>
+              <a:gd name="adj1" fmla="val 7418"/>
+              <a:gd name="adj2" fmla="val 0"/>
+            </a:avLst>
+          </a:prstGeom>
+          <a:solidFill>
+            <a:srgbClr val="FFFFFF"/>
+          </a:solidFill>
+          <a:ln w="19050" cap="sq">
+            <a:solidFill>
+              <a:schemeClr val="tx2">
+                <a:lumMod val="60000"/>
+                <a:lumOff val="40000"/>
+                <a:alpha val="60000"/>
+              </a:schemeClr>
+            </a:solidFill>
+            <a:miter lim="800000"/>
+          </a:ln>
+          <a:effectLst>
+            <a:outerShdw blurRad="88900" dist="38100" dir="5400000" algn="t" rotWithShape="0">
+              <a:prstClr val="black">
+                <a:alpha val="40000"/>
+              </a:prstClr>
+            </a:outerShdw>
+          </a:effectLst>
+        </p:spPr>
+        <p:style>
+          <a:lnRef idx="2">
+            <a:schemeClr val="accent1">
+              <a:shade val="50000"/>
+            </a:schemeClr>
+          </a:lnRef>
+          <a:fillRef idx="1">
+            <a:schemeClr val="accent1"/>
+          </a:fillRef>
+          <a:effectRef idx="0">
+            <a:schemeClr val="accent1"/>
+          </a:effectRef>
+          <a:fontRef idx="minor">
+            <a:schemeClr val="lt1"/>
+          </a:fontRef>
+        </p:style>
+        <p:txBody>
+          <a:bodyPr rtlCol="0" anchor="ctr"/>
+          <a:lstStyle/>
+          <a:p>
+            <a:pPr algn="ctr"/>
+            <a:endParaRPr lang="en-US"/>
+          </a:p>
+        </p:txBody>
+      </p:sp>
+      <p:pic>
+        <p:nvPicPr>
+          <p:cNvPr id="3076" name="Picture 4">
+            <a:extLst>
+              <a:ext uri="{FF2B5EF4-FFF2-40B4-BE49-F238E27FC236}">
+                <a16:creationId xmlns:a16="http://schemas.microsoft.com/office/drawing/2014/main" id="{4518A450-CD2E-4B6E-82DC-2A47C32FF65E}"/>
+              </a:ext>
+            </a:extLst>
+          </p:cNvPr>
+          <p:cNvPicPr>
+            <a:picLocks noChangeAspect="1" noChangeArrowheads="1"/>
+          </p:cNvPicPr>
+          <p:nvPr/>
+        </p:nvPicPr>
+        <p:blipFill>
+          <a:blip r:embed="rId3">
+            <a:extLst>
+              <a:ext uri="{28A0092B-C50C-407E-A947-70E740481C1C}">
+                <a14:useLocalDpi xmlns:a14="http://schemas.microsoft.com/office/drawing/2010/main" val="0"/>
+              </a:ext>
+            </a:extLst>
+          </a:blip>
+          <a:stretch>
+            <a:fillRect/>
+          </a:stretch>
+        </p:blipFill>
+        <p:spPr bwMode="auto">
+          <a:xfrm>
+            <a:off x="1118988" y="2264917"/>
+            <a:ext cx="6112382" cy="2322704"/>
+          </a:xfrm>
+          <a:prstGeom prst="rect">
+            <a:avLst/>
+          </a:prstGeom>
+          <a:noFill/>
+          <a:extLst>
+            <a:ext uri="{909E8E84-426E-40DD-AFC4-6F175D3DCCD1}">
+              <a14:hiddenFill xmlns:a14="http://schemas.microsoft.com/office/drawing/2010/main">
+                <a:solidFill>
+                  <a:srgbClr val="FFFFFF"/>
+                </a:solidFill>
+              </a14:hiddenFill>
+            </a:ext>
+          </a:extLst>
+        </p:spPr>
+      </p:pic>
+      <p:sp>
+        <p:nvSpPr>
+          <p:cNvPr id="3" name="Content Placeholder 2">
+            <a:extLst>
+              <a:ext uri="{FF2B5EF4-FFF2-40B4-BE49-F238E27FC236}">
+                <a16:creationId xmlns:a16="http://schemas.microsoft.com/office/drawing/2014/main" id="{5FC13161-6E8D-4D6B-B48B-F3ADD6E54C41}"/>
+              </a:ext>
+            </a:extLst>
+          </p:cNvPr>
+          <p:cNvSpPr>
+            <a:spLocks noGrp="1"/>
+          </p:cNvSpPr>
+          <p:nvPr>
+            <p:ph idx="1"/>
+          </p:nvPr>
+        </p:nvSpPr>
+        <p:spPr>
+          <a:xfrm>
+            <a:off x="8015721" y="2816764"/>
+            <a:ext cx="3281004" cy="3541714"/>
+          </a:xfrm>
+        </p:spPr>
+        <p:txBody>
+          <a:bodyPr>
+            <a:normAutofit/>
+          </a:bodyPr>
+          <a:lstStyle/>
+          <a:p>
+            <a:pPr marL="0" indent="0">
+              <a:buNone/>
+            </a:pPr>
+            <a:r>
+              <a:rPr lang="en-US" sz="5400" dirty="0"/>
+              <a:t>Student List</a:t>
+            </a:r>
+          </a:p>
+        </p:txBody>
+      </p:sp>
+    </p:spTree>
+    <p:extLst>
+      <p:ext uri="{BB962C8B-B14F-4D97-AF65-F5344CB8AC3E}">
+        <p14:creationId xmlns:p14="http://schemas.microsoft.com/office/powerpoint/2010/main" val="2516027774"/>
       </p:ext>
     </p:extLst>
   </p:cSld>
